--- a/doc/1.개인폴더/박종수/스토리보드 - 마이페이지(박종수).pptx
+++ b/doc/1.개인폴더/박종수/스토리보드 - 마이페이지(박종수).pptx
@@ -115,7 +115,7 @@
   </p:defaultTextStyle>
   <p:extLst>
     <p:ext uri="{EFAFB233-063F-42B5-8137-9DF3F51BA10A}">
-      <p15:sldGuideLst xmlns="" xmlns:p15="http://schemas.microsoft.com/office/powerpoint/2012/main">
+      <p15:sldGuideLst xmlns:p15="http://schemas.microsoft.com/office/powerpoint/2012/main" xmlns="">
         <p15:guide id="1" orient="horz" pos="2160">
           <p15:clr>
             <a:srgbClr val="A4A3A4"/>
@@ -314,7 +314,7 @@
             <a:fld id="{4204022D-519A-4CD6-99D3-23FD7668B2FE}" type="datetimeFigureOut">
               <a:rPr lang="ko-KR" altLang="en-US" smtClean="0"/>
               <a:pPr/>
-              <a:t>2020-07-01</a:t>
+              <a:t>2020-07-02</a:t>
             </a:fld>
             <a:endParaRPr lang="ko-KR" altLang="en-US"/>
           </a:p>
@@ -481,7 +481,7 @@
             <a:fld id="{4204022D-519A-4CD6-99D3-23FD7668B2FE}" type="datetimeFigureOut">
               <a:rPr lang="ko-KR" altLang="en-US" smtClean="0"/>
               <a:pPr/>
-              <a:t>2020-07-01</a:t>
+              <a:t>2020-07-02</a:t>
             </a:fld>
             <a:endParaRPr lang="ko-KR" altLang="en-US"/>
           </a:p>
@@ -658,7 +658,7 @@
             <a:fld id="{4204022D-519A-4CD6-99D3-23FD7668B2FE}" type="datetimeFigureOut">
               <a:rPr lang="ko-KR" altLang="en-US" smtClean="0"/>
               <a:pPr/>
-              <a:t>2020-07-01</a:t>
+              <a:t>2020-07-02</a:t>
             </a:fld>
             <a:endParaRPr lang="ko-KR" altLang="en-US"/>
           </a:p>
@@ -825,7 +825,7 @@
             <a:fld id="{4204022D-519A-4CD6-99D3-23FD7668B2FE}" type="datetimeFigureOut">
               <a:rPr lang="ko-KR" altLang="en-US" smtClean="0"/>
               <a:pPr/>
-              <a:t>2020-07-01</a:t>
+              <a:t>2020-07-02</a:t>
             </a:fld>
             <a:endParaRPr lang="ko-KR" altLang="en-US"/>
           </a:p>
@@ -1068,7 +1068,7 @@
             <a:fld id="{4204022D-519A-4CD6-99D3-23FD7668B2FE}" type="datetimeFigureOut">
               <a:rPr lang="ko-KR" altLang="en-US" smtClean="0"/>
               <a:pPr/>
-              <a:t>2020-07-01</a:t>
+              <a:t>2020-07-02</a:t>
             </a:fld>
             <a:endParaRPr lang="ko-KR" altLang="en-US"/>
           </a:p>
@@ -1353,7 +1353,7 @@
             <a:fld id="{4204022D-519A-4CD6-99D3-23FD7668B2FE}" type="datetimeFigureOut">
               <a:rPr lang="ko-KR" altLang="en-US" smtClean="0"/>
               <a:pPr/>
-              <a:t>2020-07-01</a:t>
+              <a:t>2020-07-02</a:t>
             </a:fld>
             <a:endParaRPr lang="ko-KR" altLang="en-US"/>
           </a:p>
@@ -1772,7 +1772,7 @@
             <a:fld id="{4204022D-519A-4CD6-99D3-23FD7668B2FE}" type="datetimeFigureOut">
               <a:rPr lang="ko-KR" altLang="en-US" smtClean="0"/>
               <a:pPr/>
-              <a:t>2020-07-01</a:t>
+              <a:t>2020-07-02</a:t>
             </a:fld>
             <a:endParaRPr lang="ko-KR" altLang="en-US"/>
           </a:p>
@@ -1887,7 +1887,7 @@
             <a:fld id="{4204022D-519A-4CD6-99D3-23FD7668B2FE}" type="datetimeFigureOut">
               <a:rPr lang="ko-KR" altLang="en-US" smtClean="0"/>
               <a:pPr/>
-              <a:t>2020-07-01</a:t>
+              <a:t>2020-07-02</a:t>
             </a:fld>
             <a:endParaRPr lang="ko-KR" altLang="en-US"/>
           </a:p>
@@ -1979,7 +1979,7 @@
             <a:fld id="{4204022D-519A-4CD6-99D3-23FD7668B2FE}" type="datetimeFigureOut">
               <a:rPr lang="ko-KR" altLang="en-US" smtClean="0"/>
               <a:pPr/>
-              <a:t>2020-07-01</a:t>
+              <a:t>2020-07-02</a:t>
             </a:fld>
             <a:endParaRPr lang="ko-KR" altLang="en-US"/>
           </a:p>
@@ -2253,7 +2253,7 @@
             <a:fld id="{4204022D-519A-4CD6-99D3-23FD7668B2FE}" type="datetimeFigureOut">
               <a:rPr lang="ko-KR" altLang="en-US" smtClean="0"/>
               <a:pPr/>
-              <a:t>2020-07-01</a:t>
+              <a:t>2020-07-02</a:t>
             </a:fld>
             <a:endParaRPr lang="ko-KR" altLang="en-US"/>
           </a:p>
@@ -2503,7 +2503,7 @@
             <a:fld id="{4204022D-519A-4CD6-99D3-23FD7668B2FE}" type="datetimeFigureOut">
               <a:rPr lang="ko-KR" altLang="en-US" smtClean="0"/>
               <a:pPr/>
-              <a:t>2020-07-01</a:t>
+              <a:t>2020-07-02</a:t>
             </a:fld>
             <a:endParaRPr lang="ko-KR" altLang="en-US"/>
           </a:p>
@@ -2713,7 +2713,7 @@
             <a:fld id="{4204022D-519A-4CD6-99D3-23FD7668B2FE}" type="datetimeFigureOut">
               <a:rPr lang="ko-KR" altLang="en-US" smtClean="0"/>
               <a:pPr/>
-              <a:t>2020-07-01</a:t>
+              <a:t>2020-07-02</a:t>
             </a:fld>
             <a:endParaRPr lang="ko-KR" altLang="en-US"/>
           </a:p>
@@ -3093,7 +3093,7 @@
           <p:nvPr>
             <p:extLst>
               <p:ext uri="{D42A27DB-BD31-4B8C-83A1-F6EECF244321}">
-                <p14:modId xmlns="" xmlns:p14="http://schemas.microsoft.com/office/powerpoint/2010/main" val="1215295356"/>
+                <p14:modId xmlns:p14="http://schemas.microsoft.com/office/powerpoint/2010/main" xmlns="" val="1215295356"/>
               </p:ext>
             </p:extLst>
           </p:nvPr>
@@ -3112,7 +3112,7 @@
                 <a:gridCol w="6587921">
                   <a:extLst>
                     <a:ext uri="{9D8B030D-6E8A-4147-A177-3AD203B41FA5}">
-                      <a16:colId xmlns="" xmlns:a16="http://schemas.microsoft.com/office/drawing/2014/main" val="20000"/>
+                      <a16:colId xmlns:a16="http://schemas.microsoft.com/office/drawing/2014/main" xmlns="" val="20000"/>
                     </a:ext>
                   </a:extLst>
                 </a:gridCol>
@@ -3269,7 +3269,7 @@
                 </a:tc>
                 <a:extLst>
                   <a:ext uri="{0D108BD9-81ED-4DB2-BD59-A6C34878D82A}">
-                    <a16:rowId xmlns="" xmlns:a16="http://schemas.microsoft.com/office/drawing/2014/main" val="10000"/>
+                    <a16:rowId xmlns:a16="http://schemas.microsoft.com/office/drawing/2014/main" xmlns="" val="10000"/>
                   </a:ext>
                 </a:extLst>
               </a:tr>
@@ -3410,7 +3410,7 @@
           <p:nvPr>
             <p:extLst>
               <p:ext uri="{D42A27DB-BD31-4B8C-83A1-F6EECF244321}">
-                <p14:modId xmlns="" xmlns:p14="http://schemas.microsoft.com/office/powerpoint/2010/main" val="1215295356"/>
+                <p14:modId xmlns:p14="http://schemas.microsoft.com/office/powerpoint/2010/main" xmlns="" val="1215295356"/>
               </p:ext>
             </p:extLst>
           </p:nvPr>
@@ -3429,42 +3429,42 @@
                 <a:gridCol w="1380432">
                   <a:extLst>
                     <a:ext uri="{9D8B030D-6E8A-4147-A177-3AD203B41FA5}">
-                      <a16:colId xmlns="" xmlns:a16="http://schemas.microsoft.com/office/drawing/2014/main" val="20000"/>
+                      <a16:colId xmlns:a16="http://schemas.microsoft.com/office/drawing/2014/main" xmlns="" val="20000"/>
                     </a:ext>
                   </a:extLst>
                 </a:gridCol>
                 <a:gridCol w="2195892">
                   <a:extLst>
                     <a:ext uri="{9D8B030D-6E8A-4147-A177-3AD203B41FA5}">
-                      <a16:colId xmlns="" xmlns:a16="http://schemas.microsoft.com/office/drawing/2014/main" val="20001"/>
+                      <a16:colId xmlns:a16="http://schemas.microsoft.com/office/drawing/2014/main" xmlns="" val="20001"/>
                     </a:ext>
                   </a:extLst>
                 </a:gridCol>
                 <a:gridCol w="1086007">
                   <a:extLst>
                     <a:ext uri="{9D8B030D-6E8A-4147-A177-3AD203B41FA5}">
-                      <a16:colId xmlns="" xmlns:a16="http://schemas.microsoft.com/office/drawing/2014/main" val="20002"/>
+                      <a16:colId xmlns:a16="http://schemas.microsoft.com/office/drawing/2014/main" xmlns="" val="20002"/>
                     </a:ext>
                   </a:extLst>
                 </a:gridCol>
                 <a:gridCol w="1927970">
                   <a:extLst>
                     <a:ext uri="{9D8B030D-6E8A-4147-A177-3AD203B41FA5}">
-                      <a16:colId xmlns="" xmlns:a16="http://schemas.microsoft.com/office/drawing/2014/main" val="20003"/>
+                      <a16:colId xmlns:a16="http://schemas.microsoft.com/office/drawing/2014/main" xmlns="" val="20003"/>
                     </a:ext>
                   </a:extLst>
                 </a:gridCol>
                 <a:gridCol w="1233488">
                   <a:extLst>
                     <a:ext uri="{9D8B030D-6E8A-4147-A177-3AD203B41FA5}">
-                      <a16:colId xmlns="" xmlns:a16="http://schemas.microsoft.com/office/drawing/2014/main" val="20004"/>
+                      <a16:colId xmlns:a16="http://schemas.microsoft.com/office/drawing/2014/main" xmlns="" val="20004"/>
                     </a:ext>
                   </a:extLst>
                 </a:gridCol>
                 <a:gridCol w="971549">
                   <a:extLst>
                     <a:ext uri="{9D8B030D-6E8A-4147-A177-3AD203B41FA5}">
-                      <a16:colId xmlns="" xmlns:a16="http://schemas.microsoft.com/office/drawing/2014/main" val="20006"/>
+                      <a16:colId xmlns:a16="http://schemas.microsoft.com/office/drawing/2014/main" xmlns="" val="20006"/>
                     </a:ext>
                   </a:extLst>
                 </a:gridCol>
@@ -3908,7 +3908,7 @@
                 </a:tc>
                 <a:extLst>
                   <a:ext uri="{0D108BD9-81ED-4DB2-BD59-A6C34878D82A}">
-                    <a16:rowId xmlns="" xmlns:a16="http://schemas.microsoft.com/office/drawing/2014/main" val="10000"/>
+                    <a16:rowId xmlns:a16="http://schemas.microsoft.com/office/drawing/2014/main" xmlns="" val="10000"/>
                   </a:ext>
                 </a:extLst>
               </a:tr>
@@ -5380,7 +5380,7 @@
           <p:nvPr>
             <p:extLst>
               <p:ext uri="{D42A27DB-BD31-4B8C-83A1-F6EECF244321}">
-                <p14:modId xmlns="" xmlns:p14="http://schemas.microsoft.com/office/powerpoint/2010/main" val="3107416924"/>
+                <p14:modId xmlns:p14="http://schemas.microsoft.com/office/powerpoint/2010/main" xmlns="" val="3107416924"/>
               </p:ext>
             </p:extLst>
           </p:nvPr>
@@ -5399,7 +5399,7 @@
                 <a:gridCol w="6587921">
                   <a:extLst>
                     <a:ext uri="{9D8B030D-6E8A-4147-A177-3AD203B41FA5}">
-                      <a16:colId xmlns="" xmlns:a16="http://schemas.microsoft.com/office/drawing/2014/main" val="20000"/>
+                      <a16:colId xmlns:a16="http://schemas.microsoft.com/office/drawing/2014/main" xmlns="" val="20000"/>
                     </a:ext>
                   </a:extLst>
                 </a:gridCol>
@@ -5556,7 +5556,7 @@
                 </a:tc>
                 <a:extLst>
                   <a:ext uri="{0D108BD9-81ED-4DB2-BD59-A6C34878D82A}">
-                    <a16:rowId xmlns="" xmlns:a16="http://schemas.microsoft.com/office/drawing/2014/main" val="10000"/>
+                    <a16:rowId xmlns:a16="http://schemas.microsoft.com/office/drawing/2014/main" xmlns="" val="10000"/>
                   </a:ext>
                 </a:extLst>
               </a:tr>
@@ -5697,7 +5697,7 @@
           <p:nvPr>
             <p:extLst>
               <p:ext uri="{D42A27DB-BD31-4B8C-83A1-F6EECF244321}">
-                <p14:modId xmlns="" xmlns:p14="http://schemas.microsoft.com/office/powerpoint/2010/main" val="3491080137"/>
+                <p14:modId xmlns:p14="http://schemas.microsoft.com/office/powerpoint/2010/main" xmlns="" val="3491080137"/>
               </p:ext>
             </p:extLst>
           </p:nvPr>
@@ -5716,42 +5716,42 @@
                 <a:gridCol w="1380432">
                   <a:extLst>
                     <a:ext uri="{9D8B030D-6E8A-4147-A177-3AD203B41FA5}">
-                      <a16:colId xmlns="" xmlns:a16="http://schemas.microsoft.com/office/drawing/2014/main" val="20000"/>
+                      <a16:colId xmlns:a16="http://schemas.microsoft.com/office/drawing/2014/main" xmlns="" val="20000"/>
                     </a:ext>
                   </a:extLst>
                 </a:gridCol>
                 <a:gridCol w="2195892">
                   <a:extLst>
                     <a:ext uri="{9D8B030D-6E8A-4147-A177-3AD203B41FA5}">
-                      <a16:colId xmlns="" xmlns:a16="http://schemas.microsoft.com/office/drawing/2014/main" val="20001"/>
+                      <a16:colId xmlns:a16="http://schemas.microsoft.com/office/drawing/2014/main" xmlns="" val="20001"/>
                     </a:ext>
                   </a:extLst>
                 </a:gridCol>
                 <a:gridCol w="1086007">
                   <a:extLst>
                     <a:ext uri="{9D8B030D-6E8A-4147-A177-3AD203B41FA5}">
-                      <a16:colId xmlns="" xmlns:a16="http://schemas.microsoft.com/office/drawing/2014/main" val="20002"/>
+                      <a16:colId xmlns:a16="http://schemas.microsoft.com/office/drawing/2014/main" xmlns="" val="20002"/>
                     </a:ext>
                   </a:extLst>
                 </a:gridCol>
                 <a:gridCol w="1927970">
                   <a:extLst>
                     <a:ext uri="{9D8B030D-6E8A-4147-A177-3AD203B41FA5}">
-                      <a16:colId xmlns="" xmlns:a16="http://schemas.microsoft.com/office/drawing/2014/main" val="20003"/>
+                      <a16:colId xmlns:a16="http://schemas.microsoft.com/office/drawing/2014/main" xmlns="" val="20003"/>
                     </a:ext>
                   </a:extLst>
                 </a:gridCol>
                 <a:gridCol w="1233488">
                   <a:extLst>
                     <a:ext uri="{9D8B030D-6E8A-4147-A177-3AD203B41FA5}">
-                      <a16:colId xmlns="" xmlns:a16="http://schemas.microsoft.com/office/drawing/2014/main" val="20004"/>
+                      <a16:colId xmlns:a16="http://schemas.microsoft.com/office/drawing/2014/main" xmlns="" val="20004"/>
                     </a:ext>
                   </a:extLst>
                 </a:gridCol>
                 <a:gridCol w="971549">
                   <a:extLst>
                     <a:ext uri="{9D8B030D-6E8A-4147-A177-3AD203B41FA5}">
-                      <a16:colId xmlns="" xmlns:a16="http://schemas.microsoft.com/office/drawing/2014/main" val="20006"/>
+                      <a16:colId xmlns:a16="http://schemas.microsoft.com/office/drawing/2014/main" xmlns="" val="20006"/>
                     </a:ext>
                   </a:extLst>
                 </a:gridCol>
@@ -6217,7 +6217,7 @@
                 </a:tc>
                 <a:extLst>
                   <a:ext uri="{0D108BD9-81ED-4DB2-BD59-A6C34878D82A}">
-                    <a16:rowId xmlns="" xmlns:a16="http://schemas.microsoft.com/office/drawing/2014/main" val="10000"/>
+                    <a16:rowId xmlns:a16="http://schemas.microsoft.com/office/drawing/2014/main" xmlns="" val="10000"/>
                   </a:ext>
                 </a:extLst>
               </a:tr>
@@ -6234,7 +6234,7 @@
           <p:nvPr>
             <p:extLst>
               <p:ext uri="{D42A27DB-BD31-4B8C-83A1-F6EECF244321}">
-                <p14:modId xmlns="" xmlns:p14="http://schemas.microsoft.com/office/powerpoint/2010/main" val="738574299"/>
+                <p14:modId xmlns:p14="http://schemas.microsoft.com/office/powerpoint/2010/main" xmlns="" val="738574299"/>
               </p:ext>
             </p:extLst>
           </p:nvPr>
@@ -6735,15 +6735,7 @@
                   <a:schemeClr val="tx1"/>
                 </a:solidFill>
               </a:rPr>
-              <a:t>1</a:t>
-            </a:r>
-            <a:r>
-              <a:rPr lang="en-US" altLang="ko-KR" sz="900" smtClean="0">
-                <a:solidFill>
-                  <a:schemeClr val="tx1"/>
-                </a:solidFill>
-              </a:rPr>
-              <a:t>. </a:t>
+              <a:t>1. </a:t>
             </a:r>
             <a:r>
               <a:rPr lang="ko-KR" altLang="en-US" sz="900" smtClean="0">
@@ -6759,23 +6751,7 @@
                   <a:schemeClr val="tx1"/>
                 </a:solidFill>
               </a:rPr>
-              <a:t>:</a:t>
-            </a:r>
-            <a:r>
-              <a:rPr lang="en-US" altLang="ko-KR" sz="900" smtClean="0">
-                <a:solidFill>
-                  <a:schemeClr val="tx1"/>
-                </a:solidFill>
-              </a:rPr>
-              <a:t> </a:t>
-            </a:r>
-            <a:r>
-              <a:rPr lang="en-US" altLang="ko-KR" sz="900" smtClean="0">
-                <a:solidFill>
-                  <a:schemeClr val="tx1"/>
-                </a:solidFill>
-              </a:rPr>
-              <a:t>/MyTeamSch</a:t>
+              <a:t>: /MyTeamSch</a:t>
             </a:r>
           </a:p>
           <a:p>
@@ -6819,15 +6795,7 @@
                   <a:schemeClr val="tx1"/>
                 </a:solidFill>
               </a:rPr>
-              <a:t>=</a:t>
-            </a:r>
-            <a:r>
-              <a:rPr lang="en-US" altLang="ko-KR" sz="900" smtClean="0">
-                <a:solidFill>
-                  <a:schemeClr val="tx1"/>
-                </a:solidFill>
-              </a:rPr>
-              <a:t> TeamSch</a:t>
+              <a:t>= TeamSch</a:t>
             </a:r>
           </a:p>
           <a:p>
@@ -6893,6 +6861,13 @@
   <p:clrMapOvr>
     <a:masterClrMapping/>
   </p:clrMapOvr>
+  <p:timing>
+    <p:tnLst>
+      <p:par>
+        <p:cTn id="1" dur="indefinite" restart="never" nodeType="tmRoot"/>
+      </p:par>
+    </p:tnLst>
+  </p:timing>
 </p:sld>
 </file>
 
@@ -6922,7 +6897,7 @@
           <p:nvPr>
             <p:extLst>
               <p:ext uri="{D42A27DB-BD31-4B8C-83A1-F6EECF244321}">
-                <p14:modId xmlns="" xmlns:p14="http://schemas.microsoft.com/office/powerpoint/2010/main" val="3314987783"/>
+                <p14:modId xmlns:p14="http://schemas.microsoft.com/office/powerpoint/2010/main" xmlns="" val="3314987783"/>
               </p:ext>
             </p:extLst>
           </p:nvPr>
@@ -6941,7 +6916,7 @@
                 <a:gridCol w="6587921">
                   <a:extLst>
                     <a:ext uri="{9D8B030D-6E8A-4147-A177-3AD203B41FA5}">
-                      <a16:colId xmlns="" xmlns:a16="http://schemas.microsoft.com/office/drawing/2014/main" val="20000"/>
+                      <a16:colId xmlns:a16="http://schemas.microsoft.com/office/drawing/2014/main" xmlns="" val="20000"/>
                     </a:ext>
                   </a:extLst>
                 </a:gridCol>
@@ -7098,7 +7073,7 @@
                 </a:tc>
                 <a:extLst>
                   <a:ext uri="{0D108BD9-81ED-4DB2-BD59-A6C34878D82A}">
-                    <a16:rowId xmlns="" xmlns:a16="http://schemas.microsoft.com/office/drawing/2014/main" val="10000"/>
+                    <a16:rowId xmlns:a16="http://schemas.microsoft.com/office/drawing/2014/main" xmlns="" val="10000"/>
                   </a:ext>
                 </a:extLst>
               </a:tr>
@@ -7239,7 +7214,7 @@
           <p:nvPr>
             <p:extLst>
               <p:ext uri="{D42A27DB-BD31-4B8C-83A1-F6EECF244321}">
-                <p14:modId xmlns="" xmlns:p14="http://schemas.microsoft.com/office/powerpoint/2010/main" val="3491080137"/>
+                <p14:modId xmlns:p14="http://schemas.microsoft.com/office/powerpoint/2010/main" xmlns="" val="3491080137"/>
               </p:ext>
             </p:extLst>
           </p:nvPr>
@@ -7258,42 +7233,42 @@
                 <a:gridCol w="1380432">
                   <a:extLst>
                     <a:ext uri="{9D8B030D-6E8A-4147-A177-3AD203B41FA5}">
-                      <a16:colId xmlns="" xmlns:a16="http://schemas.microsoft.com/office/drawing/2014/main" val="20000"/>
+                      <a16:colId xmlns:a16="http://schemas.microsoft.com/office/drawing/2014/main" xmlns="" val="20000"/>
                     </a:ext>
                   </a:extLst>
                 </a:gridCol>
                 <a:gridCol w="2195892">
                   <a:extLst>
                     <a:ext uri="{9D8B030D-6E8A-4147-A177-3AD203B41FA5}">
-                      <a16:colId xmlns="" xmlns:a16="http://schemas.microsoft.com/office/drawing/2014/main" val="20001"/>
+                      <a16:colId xmlns:a16="http://schemas.microsoft.com/office/drawing/2014/main" xmlns="" val="20001"/>
                     </a:ext>
                   </a:extLst>
                 </a:gridCol>
                 <a:gridCol w="1086007">
                   <a:extLst>
                     <a:ext uri="{9D8B030D-6E8A-4147-A177-3AD203B41FA5}">
-                      <a16:colId xmlns="" xmlns:a16="http://schemas.microsoft.com/office/drawing/2014/main" val="20002"/>
+                      <a16:colId xmlns:a16="http://schemas.microsoft.com/office/drawing/2014/main" xmlns="" val="20002"/>
                     </a:ext>
                   </a:extLst>
                 </a:gridCol>
                 <a:gridCol w="1927970">
                   <a:extLst>
                     <a:ext uri="{9D8B030D-6E8A-4147-A177-3AD203B41FA5}">
-                      <a16:colId xmlns="" xmlns:a16="http://schemas.microsoft.com/office/drawing/2014/main" val="20003"/>
+                      <a16:colId xmlns:a16="http://schemas.microsoft.com/office/drawing/2014/main" xmlns="" val="20003"/>
                     </a:ext>
                   </a:extLst>
                 </a:gridCol>
                 <a:gridCol w="1233488">
                   <a:extLst>
                     <a:ext uri="{9D8B030D-6E8A-4147-A177-3AD203B41FA5}">
-                      <a16:colId xmlns="" xmlns:a16="http://schemas.microsoft.com/office/drawing/2014/main" val="20004"/>
+                      <a16:colId xmlns:a16="http://schemas.microsoft.com/office/drawing/2014/main" xmlns="" val="20004"/>
                     </a:ext>
                   </a:extLst>
                 </a:gridCol>
                 <a:gridCol w="971549">
                   <a:extLst>
                     <a:ext uri="{9D8B030D-6E8A-4147-A177-3AD203B41FA5}">
-                      <a16:colId xmlns="" xmlns:a16="http://schemas.microsoft.com/office/drawing/2014/main" val="20006"/>
+                      <a16:colId xmlns:a16="http://schemas.microsoft.com/office/drawing/2014/main" xmlns="" val="20006"/>
                     </a:ext>
                   </a:extLst>
                 </a:gridCol>
@@ -7747,7 +7722,7 @@
                 </a:tc>
                 <a:extLst>
                   <a:ext uri="{0D108BD9-81ED-4DB2-BD59-A6C34878D82A}">
-                    <a16:rowId xmlns="" xmlns:a16="http://schemas.microsoft.com/office/drawing/2014/main" val="10000"/>
+                    <a16:rowId xmlns:a16="http://schemas.microsoft.com/office/drawing/2014/main" xmlns="" val="10000"/>
                   </a:ext>
                 </a:extLst>
               </a:tr>
@@ -7764,7 +7739,7 @@
           <p:nvPr>
             <p:extLst>
               <p:ext uri="{D42A27DB-BD31-4B8C-83A1-F6EECF244321}">
-                <p14:modId xmlns="" xmlns:p14="http://schemas.microsoft.com/office/powerpoint/2010/main" val="3561059984"/>
+                <p14:modId xmlns:p14="http://schemas.microsoft.com/office/powerpoint/2010/main" xmlns="" val="3561059984"/>
               </p:ext>
             </p:extLst>
           </p:nvPr>
@@ -8103,11 +8078,7 @@
             </a:r>
             <a:r>
               <a:rPr lang="ko-KR" altLang="en-US" sz="1000" smtClean="0"/>
-              <a:t>을</a:t>
-            </a:r>
-            <a:r>
-              <a:rPr lang="ko-KR" altLang="en-US" sz="1000" smtClean="0"/>
-              <a:t> </a:t>
+              <a:t>을 </a:t>
             </a:r>
             <a:r>
               <a:rPr lang="ko-KR" altLang="en-US" sz="1000" dirty="0"/>
@@ -8123,15 +8094,7 @@
             </a:r>
             <a:r>
               <a:rPr lang="ko-KR" altLang="en-US" sz="1000" smtClean="0"/>
-              <a:t> </a:t>
-            </a:r>
-            <a:r>
-              <a:rPr lang="ko-KR" altLang="en-US" sz="1000" smtClean="0"/>
-              <a:t>경기기록번호와 일치하는</a:t>
-            </a:r>
-            <a:r>
-              <a:rPr lang="ko-KR" altLang="en-US" sz="1000" smtClean="0"/>
-              <a:t> </a:t>
+              <a:t> 경기기록번호와 일치하는 </a:t>
             </a:r>
             <a:r>
               <a:rPr lang="ko-KR" altLang="en-US" sz="1000" dirty="0"/>
@@ -8578,23 +8541,7 @@
                   <a:schemeClr val="tx1"/>
                 </a:solidFill>
               </a:rPr>
-              <a:t>: </a:t>
-            </a:r>
-            <a:r>
-              <a:rPr lang="en-US" altLang="ko-KR" sz="1000" smtClean="0">
-                <a:solidFill>
-                  <a:schemeClr val="tx1"/>
-                </a:solidFill>
-              </a:rPr>
-              <a:t>/</a:t>
-            </a:r>
-            <a:r>
-              <a:rPr lang="en-US" altLang="ko-KR" sz="1000" smtClean="0">
-                <a:solidFill>
-                  <a:schemeClr val="tx1"/>
-                </a:solidFill>
-              </a:rPr>
-              <a:t>MatchChk</a:t>
+              <a:t>: /MatchChk</a:t>
             </a:r>
             <a:endParaRPr lang="en-US" altLang="ko-KR" sz="1000" dirty="0" smtClean="0">
               <a:solidFill>
@@ -8643,15 +8590,7 @@
                   <a:schemeClr val="tx1"/>
                 </a:solidFill>
               </a:rPr>
-              <a:t>=</a:t>
-            </a:r>
-            <a:r>
-              <a:rPr lang="en-US" altLang="ko-KR" sz="1000" smtClean="0">
-                <a:solidFill>
-                  <a:schemeClr val="tx1"/>
-                </a:solidFill>
-              </a:rPr>
-              <a:t>Mnum</a:t>
+              <a:t>=Mnum</a:t>
             </a:r>
             <a:endParaRPr lang="en-US" altLang="ko-KR" sz="1000" dirty="0" smtClean="0">
               <a:solidFill>
@@ -8729,15 +8668,7 @@
                   <a:schemeClr val="tx1"/>
                 </a:solidFill>
               </a:rPr>
-              <a:t>: </a:t>
-            </a:r>
-            <a:r>
-              <a:rPr lang="en-US" altLang="ko-KR" sz="1000" smtClean="0">
-                <a:solidFill>
-                  <a:schemeClr val="tx1"/>
-                </a:solidFill>
-              </a:rPr>
-              <a:t>/InfoModifyIdentify</a:t>
+              <a:t>: /InfoModifyIdentify</a:t>
             </a:r>
           </a:p>
           <a:p>
@@ -8786,15 +8717,7 @@
                   <a:schemeClr val="tx1"/>
                 </a:solidFill>
               </a:rPr>
-              <a:t>=uid </a:t>
-            </a:r>
-            <a:r>
-              <a:rPr lang="en-US" altLang="ko-KR" sz="1000" smtClean="0">
-                <a:solidFill>
-                  <a:schemeClr val="tx1"/>
-                </a:solidFill>
-              </a:rPr>
-              <a:t>/</a:t>
+              <a:t>=uid /</a:t>
             </a:r>
             <a:r>
               <a:rPr lang="ko-KR" altLang="en-US" sz="1000" smtClean="0">
@@ -8812,11 +8735,6 @@
               </a:rPr>
               <a:t>=upw</a:t>
             </a:r>
-            <a:endParaRPr lang="en-US" altLang="ko-KR" sz="1000" smtClean="0">
-              <a:solidFill>
-                <a:schemeClr val="tx1"/>
-              </a:solidFill>
-            </a:endParaRPr>
           </a:p>
           <a:p>
             <a:r>
@@ -8833,15 +8751,7 @@
                   <a:schemeClr val="tx1"/>
                 </a:solidFill>
               </a:rPr>
-              <a:t>=uname</a:t>
-            </a:r>
-            <a:r>
-              <a:rPr lang="en-US" altLang="ko-KR" sz="1000" smtClean="0">
-                <a:solidFill>
-                  <a:schemeClr val="tx1"/>
-                </a:solidFill>
-              </a:rPr>
-              <a:t>/</a:t>
+              <a:t>=uname/</a:t>
             </a:r>
             <a:r>
               <a:rPr lang="ko-KR" altLang="en-US" sz="1000" smtClean="0">
@@ -8857,15 +8767,7 @@
                   <a:schemeClr val="tx1"/>
                 </a:solidFill>
               </a:rPr>
-              <a:t>=ubd</a:t>
-            </a:r>
-            <a:r>
-              <a:rPr lang="en-US" altLang="ko-KR" sz="1000" smtClean="0">
-                <a:solidFill>
-                  <a:schemeClr val="tx1"/>
-                </a:solidFill>
-              </a:rPr>
-              <a:t>/</a:t>
+              <a:t>=ubd/</a:t>
             </a:r>
             <a:r>
               <a:rPr lang="ko-KR" altLang="en-US" sz="1000" smtClean="0">
@@ -8881,15 +8783,7 @@
                   <a:schemeClr val="tx1"/>
                 </a:solidFill>
               </a:rPr>
-              <a:t>ugender</a:t>
-            </a:r>
-            <a:r>
-              <a:rPr lang="en-US" altLang="ko-KR" sz="1000" smtClean="0">
-                <a:solidFill>
-                  <a:schemeClr val="tx1"/>
-                </a:solidFill>
-              </a:rPr>
-              <a:t>/</a:t>
+              <a:t>ugender/</a:t>
             </a:r>
           </a:p>
           <a:p>
@@ -8907,15 +8801,7 @@
                   <a:schemeClr val="tx1"/>
                 </a:solidFill>
               </a:rPr>
-              <a:t>=ufteam</a:t>
-            </a:r>
-            <a:r>
-              <a:rPr lang="en-US" altLang="ko-KR" sz="1000" smtClean="0">
-                <a:solidFill>
-                  <a:schemeClr val="tx1"/>
-                </a:solidFill>
-              </a:rPr>
-              <a:t>/</a:t>
+              <a:t>=ufteam/</a:t>
             </a:r>
             <a:r>
               <a:rPr lang="ko-KR" altLang="en-US" sz="1000" smtClean="0">
@@ -9024,23 +8910,7 @@
                   <a:schemeClr val="tx1"/>
                 </a:solidFill>
               </a:rPr>
-              <a:t>: </a:t>
-            </a:r>
-            <a:r>
-              <a:rPr lang="en-US" altLang="ko-KR" sz="1000" smtClean="0">
-                <a:solidFill>
-                  <a:schemeClr val="tx1"/>
-                </a:solidFill>
-              </a:rPr>
-              <a:t>/</a:t>
-            </a:r>
-            <a:r>
-              <a:rPr lang="en-US" altLang="ko-KR" sz="1000" smtClean="0">
-                <a:solidFill>
-                  <a:schemeClr val="tx1"/>
-                </a:solidFill>
-              </a:rPr>
-              <a:t>MDelete</a:t>
+              <a:t>: /MDelete</a:t>
             </a:r>
             <a:endParaRPr lang="en-US" altLang="ko-KR" sz="1000" dirty="0" smtClean="0">
               <a:solidFill>
@@ -9189,15 +9059,7 @@
                   <a:schemeClr val="tx1"/>
                 </a:solidFill>
               </a:rPr>
-              <a:t>=</a:t>
-            </a:r>
-            <a:r>
-              <a:rPr lang="en-US" altLang="ko-KR" sz="1000" smtClean="0">
-                <a:solidFill>
-                  <a:schemeClr val="tx1"/>
-                </a:solidFill>
-              </a:rPr>
-              <a:t>uemail/</a:t>
+              <a:t>=uemail/</a:t>
             </a:r>
             <a:r>
               <a:rPr lang="ko-KR" altLang="en-US" sz="1000" smtClean="0">
@@ -9363,15 +9225,17 @@
                   <a:schemeClr val="tx1"/>
                 </a:solidFill>
               </a:rPr>
-              <a:t>: </a:t>
-            </a:r>
+              <a:t>: /MyTeamDetail, /MyTeamSch</a:t>
+            </a:r>
+          </a:p>
+          <a:p>
             <a:r>
               <a:rPr lang="en-US" altLang="ko-KR" sz="1000" smtClean="0">
                 <a:solidFill>
                   <a:schemeClr val="tx1"/>
                 </a:solidFill>
               </a:rPr>
-              <a:t>/MyTeamDetail, /MyTeamSch</a:t>
+              <a:t>2.View: </a:t>
             </a:r>
           </a:p>
           <a:p>
@@ -9381,52 +9245,8 @@
                   <a:schemeClr val="tx1"/>
                 </a:solidFill>
               </a:rPr>
-              <a:t>2.View</a:t>
-            </a:r>
-            <a:r>
-              <a:rPr lang="en-US" altLang="ko-KR" sz="1000" smtClean="0">
-                <a:solidFill>
-                  <a:schemeClr val="tx1"/>
-                </a:solidFill>
-              </a:rPr>
-              <a:t>: </a:t>
-            </a:r>
-            <a:endParaRPr lang="en-US" altLang="ko-KR" sz="1000" smtClean="0">
-              <a:solidFill>
-                <a:schemeClr val="tx1"/>
-              </a:solidFill>
-            </a:endParaRPr>
-          </a:p>
-          <a:p>
-            <a:r>
-              <a:rPr lang="en-US" altLang="ko-KR" sz="1000" smtClean="0">
-                <a:solidFill>
-                  <a:schemeClr val="tx1"/>
-                </a:solidFill>
-              </a:rPr>
-              <a:t>MyTeamDetail.jsp /	 </a:t>
-            </a:r>
-            <a:r>
-              <a:rPr lang="en-US" altLang="ko-KR" sz="1000" smtClean="0">
-                <a:solidFill>
-                  <a:schemeClr val="tx1"/>
-                </a:solidFill>
-              </a:rPr>
-              <a:t>MyTeamSch</a:t>
-            </a:r>
-            <a:r>
-              <a:rPr lang="en-US" altLang="ko-KR" sz="1000" smtClean="0">
-                <a:solidFill>
-                  <a:schemeClr val="tx1"/>
-                </a:solidFill>
-              </a:rPr>
-              <a:t>.jsp </a:t>
-            </a:r>
-            <a:endParaRPr lang="en-US" altLang="ko-KR" sz="1000" smtClean="0">
-              <a:solidFill>
-                <a:schemeClr val="tx1"/>
-              </a:solidFill>
-            </a:endParaRPr>
+              <a:t>MyTeamDetail.jsp /	 MyTeamSch.jsp </a:t>
+            </a:r>
           </a:p>
         </p:txBody>
       </p:sp>
@@ -9477,7 +9297,7 @@
     </p:spTree>
     <p:extLst>
       <p:ext uri="{BB962C8B-B14F-4D97-AF65-F5344CB8AC3E}">
-        <p14:creationId xmlns="" xmlns:p14="http://schemas.microsoft.com/office/powerpoint/2010/main" val="1797118782"/>
+        <p14:creationId xmlns:p14="http://schemas.microsoft.com/office/powerpoint/2010/main" xmlns="" val="1797118782"/>
       </p:ext>
     </p:extLst>
   </p:cSld>
@@ -9521,7 +9341,7 @@
           <p:nvPr>
             <p:extLst>
               <p:ext uri="{D42A27DB-BD31-4B8C-83A1-F6EECF244321}">
-                <p14:modId xmlns="" xmlns:p14="http://schemas.microsoft.com/office/powerpoint/2010/main" val="3107416924"/>
+                <p14:modId xmlns:p14="http://schemas.microsoft.com/office/powerpoint/2010/main" xmlns="" val="3107416924"/>
               </p:ext>
             </p:extLst>
           </p:nvPr>
@@ -9540,7 +9360,7 @@
                 <a:gridCol w="6587921">
                   <a:extLst>
                     <a:ext uri="{9D8B030D-6E8A-4147-A177-3AD203B41FA5}">
-                      <a16:colId xmlns="" xmlns:a16="http://schemas.microsoft.com/office/drawing/2014/main" val="20000"/>
+                      <a16:colId xmlns:a16="http://schemas.microsoft.com/office/drawing/2014/main" xmlns="" val="20000"/>
                     </a:ext>
                   </a:extLst>
                 </a:gridCol>
@@ -9697,7 +9517,7 @@
                 </a:tc>
                 <a:extLst>
                   <a:ext uri="{0D108BD9-81ED-4DB2-BD59-A6C34878D82A}">
-                    <a16:rowId xmlns="" xmlns:a16="http://schemas.microsoft.com/office/drawing/2014/main" val="10000"/>
+                    <a16:rowId xmlns:a16="http://schemas.microsoft.com/office/drawing/2014/main" xmlns="" val="10000"/>
                   </a:ext>
                 </a:extLst>
               </a:tr>
@@ -9838,7 +9658,7 @@
           <p:nvPr>
             <p:extLst>
               <p:ext uri="{D42A27DB-BD31-4B8C-83A1-F6EECF244321}">
-                <p14:modId xmlns="" xmlns:p14="http://schemas.microsoft.com/office/powerpoint/2010/main" val="3491080137"/>
+                <p14:modId xmlns:p14="http://schemas.microsoft.com/office/powerpoint/2010/main" xmlns="" val="3491080137"/>
               </p:ext>
             </p:extLst>
           </p:nvPr>
@@ -9857,42 +9677,42 @@
                 <a:gridCol w="1380432">
                   <a:extLst>
                     <a:ext uri="{9D8B030D-6E8A-4147-A177-3AD203B41FA5}">
-                      <a16:colId xmlns="" xmlns:a16="http://schemas.microsoft.com/office/drawing/2014/main" val="20000"/>
+                      <a16:colId xmlns:a16="http://schemas.microsoft.com/office/drawing/2014/main" xmlns="" val="20000"/>
                     </a:ext>
                   </a:extLst>
                 </a:gridCol>
                 <a:gridCol w="2195892">
                   <a:extLst>
                     <a:ext uri="{9D8B030D-6E8A-4147-A177-3AD203B41FA5}">
-                      <a16:colId xmlns="" xmlns:a16="http://schemas.microsoft.com/office/drawing/2014/main" val="20001"/>
+                      <a16:colId xmlns:a16="http://schemas.microsoft.com/office/drawing/2014/main" xmlns="" val="20001"/>
                     </a:ext>
                   </a:extLst>
                 </a:gridCol>
                 <a:gridCol w="1086007">
                   <a:extLst>
                     <a:ext uri="{9D8B030D-6E8A-4147-A177-3AD203B41FA5}">
-                      <a16:colId xmlns="" xmlns:a16="http://schemas.microsoft.com/office/drawing/2014/main" val="20002"/>
+                      <a16:colId xmlns:a16="http://schemas.microsoft.com/office/drawing/2014/main" xmlns="" val="20002"/>
                     </a:ext>
                   </a:extLst>
                 </a:gridCol>
                 <a:gridCol w="1927970">
                   <a:extLst>
                     <a:ext uri="{9D8B030D-6E8A-4147-A177-3AD203B41FA5}">
-                      <a16:colId xmlns="" xmlns:a16="http://schemas.microsoft.com/office/drawing/2014/main" val="20003"/>
+                      <a16:colId xmlns:a16="http://schemas.microsoft.com/office/drawing/2014/main" xmlns="" val="20003"/>
                     </a:ext>
                   </a:extLst>
                 </a:gridCol>
                 <a:gridCol w="1233488">
                   <a:extLst>
                     <a:ext uri="{9D8B030D-6E8A-4147-A177-3AD203B41FA5}">
-                      <a16:colId xmlns="" xmlns:a16="http://schemas.microsoft.com/office/drawing/2014/main" val="20004"/>
+                      <a16:colId xmlns:a16="http://schemas.microsoft.com/office/drawing/2014/main" xmlns="" val="20004"/>
                     </a:ext>
                   </a:extLst>
                 </a:gridCol>
                 <a:gridCol w="971549">
                   <a:extLst>
                     <a:ext uri="{9D8B030D-6E8A-4147-A177-3AD203B41FA5}">
-                      <a16:colId xmlns="" xmlns:a16="http://schemas.microsoft.com/office/drawing/2014/main" val="20006"/>
+                      <a16:colId xmlns:a16="http://schemas.microsoft.com/office/drawing/2014/main" xmlns="" val="20006"/>
                     </a:ext>
                   </a:extLst>
                 </a:gridCol>
@@ -10158,17 +9978,7 @@
                           <a:latin typeface="+mn-ea"/>
                           <a:ea typeface="+mn-ea"/>
                         </a:rPr>
-                        <a:t>- </a:t>
-                      </a:r>
-                      <a:r>
-                        <a:rPr lang="en-US" altLang="ko-KR" sz="1000" b="0" smtClean="0">
-                          <a:solidFill>
-                            <a:schemeClr val="tx1"/>
-                          </a:solidFill>
-                          <a:latin typeface="+mn-ea"/>
-                          <a:ea typeface="+mn-ea"/>
-                        </a:rPr>
-                        <a:t>1</a:t>
+                        <a:t>- 1</a:t>
                       </a:r>
                       <a:endParaRPr lang="ko-KR" altLang="en-US" sz="1000" b="0" dirty="0">
                         <a:solidFill>
@@ -10361,7 +10171,7 @@
                 </a:tc>
                 <a:extLst>
                   <a:ext uri="{0D108BD9-81ED-4DB2-BD59-A6C34878D82A}">
-                    <a16:rowId xmlns="" xmlns:a16="http://schemas.microsoft.com/office/drawing/2014/main" val="10000"/>
+                    <a16:rowId xmlns:a16="http://schemas.microsoft.com/office/drawing/2014/main" xmlns="" val="10000"/>
                   </a:ext>
                 </a:extLst>
               </a:tr>
@@ -10378,7 +10188,7 @@
           <p:nvPr>
             <p:extLst>
               <p:ext uri="{D42A27DB-BD31-4B8C-83A1-F6EECF244321}">
-                <p14:modId xmlns="" xmlns:p14="http://schemas.microsoft.com/office/powerpoint/2010/main" val="738574299"/>
+                <p14:modId xmlns:p14="http://schemas.microsoft.com/office/powerpoint/2010/main" xmlns="" val="738574299"/>
               </p:ext>
             </p:extLst>
           </p:nvPr>
@@ -10695,15 +10505,7 @@
                   <a:schemeClr val="tx1"/>
                 </a:solidFill>
               </a:rPr>
-              <a:t>: </a:t>
-            </a:r>
-            <a:r>
-              <a:rPr lang="en-US" altLang="ko-KR" sz="1000" smtClean="0">
-                <a:solidFill>
-                  <a:schemeClr val="tx1"/>
-                </a:solidFill>
-              </a:rPr>
-              <a:t>/SendNum</a:t>
+              <a:t>: /SendNum</a:t>
             </a:r>
             <a:endParaRPr lang="en-US" altLang="ko-KR" sz="1000" dirty="0" smtClean="0">
               <a:solidFill>
@@ -10848,15 +10650,7 @@
                   <a:schemeClr val="tx1"/>
                 </a:solidFill>
               </a:rPr>
-              <a:t>: </a:t>
-            </a:r>
-            <a:r>
-              <a:rPr lang="en-US" altLang="ko-KR" sz="1000" smtClean="0">
-                <a:solidFill>
-                  <a:schemeClr val="tx1"/>
-                </a:solidFill>
-              </a:rPr>
-              <a:t>/MTotallyDelete</a:t>
+              <a:t>: /MTotallyDelete</a:t>
             </a:r>
             <a:endParaRPr lang="en-US" altLang="ko-KR" sz="1000" dirty="0" smtClean="0">
               <a:solidFill>
@@ -10913,15 +10707,7 @@
                   <a:schemeClr val="tx1"/>
                 </a:solidFill>
               </a:rPr>
-              <a:t>발송된 </a:t>
-            </a:r>
-            <a:r>
-              <a:rPr lang="ko-KR" altLang="en-US" sz="1000" smtClean="0">
-                <a:solidFill>
-                  <a:schemeClr val="tx1"/>
-                </a:solidFill>
-              </a:rPr>
-              <a:t>인증번호 </a:t>
+              <a:t>발송된 인증번호 </a:t>
             </a:r>
             <a:r>
               <a:rPr lang="en-US" altLang="ko-KR" sz="1000" smtClean="0">
@@ -10929,15 +10715,7 @@
                   <a:schemeClr val="tx1"/>
                 </a:solidFill>
               </a:rPr>
-              <a:t>= </a:t>
-            </a:r>
-            <a:r>
-              <a:rPr lang="en-US" altLang="ko-KR" sz="1000" smtClean="0">
-                <a:solidFill>
-                  <a:schemeClr val="tx1"/>
-                </a:solidFill>
-              </a:rPr>
-              <a:t>SendNum</a:t>
+              <a:t>= SendNum</a:t>
             </a:r>
           </a:p>
           <a:p>
@@ -11017,55 +10795,18 @@
                   <a:schemeClr val="tx1"/>
                 </a:solidFill>
               </a:rPr>
-              <a:t>: </a:t>
-            </a:r>
+              <a:t>: /InfoMain</a:t>
+            </a:r>
+          </a:p>
+          <a:p>
             <a:r>
               <a:rPr lang="en-US" altLang="ko-KR" sz="1000" smtClean="0">
                 <a:solidFill>
                   <a:schemeClr val="tx1"/>
                 </a:solidFill>
               </a:rPr>
-              <a:t>/</a:t>
-            </a:r>
-            <a:r>
-              <a:rPr lang="en-US" altLang="ko-KR" sz="1000" smtClean="0">
-                <a:solidFill>
-                  <a:schemeClr val="tx1"/>
-                </a:solidFill>
-              </a:rPr>
-              <a:t>InfoMain</a:t>
-            </a:r>
-          </a:p>
-          <a:p>
-            <a:r>
-              <a:rPr lang="en-US" altLang="ko-KR" sz="1000" smtClean="0">
-                <a:solidFill>
-                  <a:schemeClr val="tx1"/>
-                </a:solidFill>
-              </a:rPr>
-              <a:t>2.View</a:t>
-            </a:r>
-            <a:r>
-              <a:rPr lang="en-US" altLang="ko-KR" sz="1000" smtClean="0">
-                <a:solidFill>
-                  <a:schemeClr val="tx1"/>
-                </a:solidFill>
-              </a:rPr>
-              <a:t>: </a:t>
-            </a:r>
-            <a:r>
-              <a:rPr lang="en-US" altLang="ko-KR" sz="1000" smtClean="0">
-                <a:solidFill>
-                  <a:schemeClr val="tx1"/>
-                </a:solidFill>
-              </a:rPr>
-              <a:t>MainMypage.jsp</a:t>
-            </a:r>
-            <a:endParaRPr lang="en-US" altLang="ko-KR" sz="1000" smtClean="0">
-              <a:solidFill>
-                <a:schemeClr val="tx1"/>
-              </a:solidFill>
-            </a:endParaRPr>
+              <a:t>2.View: MainMypage.jsp</a:t>
+            </a:r>
           </a:p>
         </p:txBody>
       </p:sp>
@@ -11332,11 +11073,7 @@
             </a:r>
             <a:r>
               <a:rPr lang="ko-KR" altLang="en-US" sz="1000" smtClean="0"/>
-              <a:t> </a:t>
-            </a:r>
-            <a:r>
-              <a:rPr lang="ko-KR" altLang="en-US" sz="1000" smtClean="0"/>
-              <a:t>인증번호 받기를 누르면</a:t>
+              <a:t> 인증번호 받기를 누르면</a:t>
             </a:r>
             <a:r>
               <a:rPr lang="en-US" altLang="ko-KR" sz="1000" smtClean="0"/>
@@ -11410,9 +11147,6 @@
               </a:rPr>
               <a:t>.</a:t>
             </a:r>
-            <a:endParaRPr lang="en-US" altLang="ko-KR" sz="1000" smtClean="0">
-              <a:latin typeface="+mn-ea"/>
-            </a:endParaRPr>
           </a:p>
           <a:p>
             <a:endParaRPr lang="en-US" altLang="ko-KR" sz="1000" dirty="0" smtClean="0"/>
@@ -11441,7 +11175,7 @@
     </p:spTree>
     <p:extLst>
       <p:ext uri="{BB962C8B-B14F-4D97-AF65-F5344CB8AC3E}">
-        <p14:creationId xmlns="" xmlns:p14="http://schemas.microsoft.com/office/powerpoint/2010/main" val="1797118782"/>
+        <p14:creationId xmlns:p14="http://schemas.microsoft.com/office/powerpoint/2010/main" xmlns="" val="1797118782"/>
       </p:ext>
     </p:extLst>
   </p:cSld>
@@ -11485,7 +11219,7 @@
           <p:nvPr>
             <p:extLst>
               <p:ext uri="{D42A27DB-BD31-4B8C-83A1-F6EECF244321}">
-                <p14:modId xmlns="" xmlns:p14="http://schemas.microsoft.com/office/powerpoint/2010/main" val="3107416924"/>
+                <p14:modId xmlns:p14="http://schemas.microsoft.com/office/powerpoint/2010/main" xmlns="" val="3107416924"/>
               </p:ext>
             </p:extLst>
           </p:nvPr>
@@ -11504,7 +11238,7 @@
                 <a:gridCol w="6587921">
                   <a:extLst>
                     <a:ext uri="{9D8B030D-6E8A-4147-A177-3AD203B41FA5}">
-                      <a16:colId xmlns="" xmlns:a16="http://schemas.microsoft.com/office/drawing/2014/main" val="20000"/>
+                      <a16:colId xmlns:a16="http://schemas.microsoft.com/office/drawing/2014/main" xmlns="" val="20000"/>
                     </a:ext>
                   </a:extLst>
                 </a:gridCol>
@@ -11661,7 +11395,7 @@
                 </a:tc>
                 <a:extLst>
                   <a:ext uri="{0D108BD9-81ED-4DB2-BD59-A6C34878D82A}">
-                    <a16:rowId xmlns="" xmlns:a16="http://schemas.microsoft.com/office/drawing/2014/main" val="10000"/>
+                    <a16:rowId xmlns:a16="http://schemas.microsoft.com/office/drawing/2014/main" xmlns="" val="10000"/>
                   </a:ext>
                 </a:extLst>
               </a:tr>
@@ -11802,7 +11536,7 @@
           <p:nvPr>
             <p:extLst>
               <p:ext uri="{D42A27DB-BD31-4B8C-83A1-F6EECF244321}">
-                <p14:modId xmlns="" xmlns:p14="http://schemas.microsoft.com/office/powerpoint/2010/main" val="3491080137"/>
+                <p14:modId xmlns:p14="http://schemas.microsoft.com/office/powerpoint/2010/main" xmlns="" val="3491080137"/>
               </p:ext>
             </p:extLst>
           </p:nvPr>
@@ -11821,42 +11555,42 @@
                 <a:gridCol w="1380432">
                   <a:extLst>
                     <a:ext uri="{9D8B030D-6E8A-4147-A177-3AD203B41FA5}">
-                      <a16:colId xmlns="" xmlns:a16="http://schemas.microsoft.com/office/drawing/2014/main" val="20000"/>
+                      <a16:colId xmlns:a16="http://schemas.microsoft.com/office/drawing/2014/main" xmlns="" val="20000"/>
                     </a:ext>
                   </a:extLst>
                 </a:gridCol>
                 <a:gridCol w="2195892">
                   <a:extLst>
                     <a:ext uri="{9D8B030D-6E8A-4147-A177-3AD203B41FA5}">
-                      <a16:colId xmlns="" xmlns:a16="http://schemas.microsoft.com/office/drawing/2014/main" val="20001"/>
+                      <a16:colId xmlns:a16="http://schemas.microsoft.com/office/drawing/2014/main" xmlns="" val="20001"/>
                     </a:ext>
                   </a:extLst>
                 </a:gridCol>
                 <a:gridCol w="1086007">
                   <a:extLst>
                     <a:ext uri="{9D8B030D-6E8A-4147-A177-3AD203B41FA5}">
-                      <a16:colId xmlns="" xmlns:a16="http://schemas.microsoft.com/office/drawing/2014/main" val="20002"/>
+                      <a16:colId xmlns:a16="http://schemas.microsoft.com/office/drawing/2014/main" xmlns="" val="20002"/>
                     </a:ext>
                   </a:extLst>
                 </a:gridCol>
                 <a:gridCol w="1927970">
                   <a:extLst>
                     <a:ext uri="{9D8B030D-6E8A-4147-A177-3AD203B41FA5}">
-                      <a16:colId xmlns="" xmlns:a16="http://schemas.microsoft.com/office/drawing/2014/main" val="20003"/>
+                      <a16:colId xmlns:a16="http://schemas.microsoft.com/office/drawing/2014/main" xmlns="" val="20003"/>
                     </a:ext>
                   </a:extLst>
                 </a:gridCol>
                 <a:gridCol w="1233488">
                   <a:extLst>
                     <a:ext uri="{9D8B030D-6E8A-4147-A177-3AD203B41FA5}">
-                      <a16:colId xmlns="" xmlns:a16="http://schemas.microsoft.com/office/drawing/2014/main" val="20004"/>
+                      <a16:colId xmlns:a16="http://schemas.microsoft.com/office/drawing/2014/main" xmlns="" val="20004"/>
                     </a:ext>
                   </a:extLst>
                 </a:gridCol>
                 <a:gridCol w="971549">
                   <a:extLst>
                     <a:ext uri="{9D8B030D-6E8A-4147-A177-3AD203B41FA5}">
-                      <a16:colId xmlns="" xmlns:a16="http://schemas.microsoft.com/office/drawing/2014/main" val="20006"/>
+                      <a16:colId xmlns:a16="http://schemas.microsoft.com/office/drawing/2014/main" xmlns="" val="20006"/>
                     </a:ext>
                   </a:extLst>
                 </a:gridCol>
@@ -12315,7 +12049,7 @@
                 </a:tc>
                 <a:extLst>
                   <a:ext uri="{0D108BD9-81ED-4DB2-BD59-A6C34878D82A}">
-                    <a16:rowId xmlns="" xmlns:a16="http://schemas.microsoft.com/office/drawing/2014/main" val="10000"/>
+                    <a16:rowId xmlns:a16="http://schemas.microsoft.com/office/drawing/2014/main" xmlns="" val="10000"/>
                   </a:ext>
                 </a:extLst>
               </a:tr>
@@ -12332,7 +12066,7 @@
           <p:nvPr>
             <p:extLst>
               <p:ext uri="{D42A27DB-BD31-4B8C-83A1-F6EECF244321}">
-                <p14:modId xmlns="" xmlns:p14="http://schemas.microsoft.com/office/powerpoint/2010/main" val="738574299"/>
+                <p14:modId xmlns:p14="http://schemas.microsoft.com/office/powerpoint/2010/main" xmlns="" val="738574299"/>
               </p:ext>
             </p:extLst>
           </p:nvPr>
@@ -12645,15 +12379,7 @@
                   <a:schemeClr val="tx1"/>
                 </a:solidFill>
               </a:rPr>
-              <a:t>: </a:t>
-            </a:r>
-            <a:r>
-              <a:rPr lang="en-US" altLang="ko-KR" sz="1000" smtClean="0">
-                <a:solidFill>
-                  <a:schemeClr val="tx1"/>
-                </a:solidFill>
-              </a:rPr>
-              <a:t>/Movemainpage</a:t>
+              <a:t>: /Movemainpage</a:t>
             </a:r>
             <a:endParaRPr lang="en-US" altLang="ko-KR" sz="1000" dirty="0" smtClean="0">
               <a:solidFill>
@@ -12770,11 +12496,7 @@
             </a:r>
             <a:r>
               <a:rPr lang="ko-KR" altLang="en-US" sz="1000" smtClean="0"/>
-              <a:t> </a:t>
-            </a:r>
-            <a:r>
-              <a:rPr lang="ko-KR" altLang="en-US" sz="1000" smtClean="0"/>
-              <a:t>회원 탈퇴가 완료된 후 </a:t>
+              <a:t> 회원 탈퇴가 완료된 후 </a:t>
             </a:r>
             <a:r>
               <a:rPr lang="en-US" altLang="ko-KR" sz="1000" smtClean="0"/>
@@ -12824,6 +12546,13 @@
   <p:clrMapOvr>
     <a:masterClrMapping/>
   </p:clrMapOvr>
+  <p:timing>
+    <p:tnLst>
+      <p:par>
+        <p:cTn id="1" dur="indefinite" restart="never" nodeType="tmRoot"/>
+      </p:par>
+    </p:tnLst>
+  </p:timing>
 </p:sld>
 </file>
 
@@ -12853,7 +12582,7 @@
           <p:nvPr>
             <p:extLst>
               <p:ext uri="{D42A27DB-BD31-4B8C-83A1-F6EECF244321}">
-                <p14:modId xmlns="" xmlns:p14="http://schemas.microsoft.com/office/powerpoint/2010/main" val="3107416924"/>
+                <p14:modId xmlns:p14="http://schemas.microsoft.com/office/powerpoint/2010/main" xmlns="" val="3107416924"/>
               </p:ext>
             </p:extLst>
           </p:nvPr>
@@ -12872,7 +12601,7 @@
                 <a:gridCol w="6587921">
                   <a:extLst>
                     <a:ext uri="{9D8B030D-6E8A-4147-A177-3AD203B41FA5}">
-                      <a16:colId xmlns="" xmlns:a16="http://schemas.microsoft.com/office/drawing/2014/main" val="20000"/>
+                      <a16:colId xmlns:a16="http://schemas.microsoft.com/office/drawing/2014/main" xmlns="" val="20000"/>
                     </a:ext>
                   </a:extLst>
                 </a:gridCol>
@@ -13029,7 +12758,7 @@
                 </a:tc>
                 <a:extLst>
                   <a:ext uri="{0D108BD9-81ED-4DB2-BD59-A6C34878D82A}">
-                    <a16:rowId xmlns="" xmlns:a16="http://schemas.microsoft.com/office/drawing/2014/main" val="10000"/>
+                    <a16:rowId xmlns:a16="http://schemas.microsoft.com/office/drawing/2014/main" xmlns="" val="10000"/>
                   </a:ext>
                 </a:extLst>
               </a:tr>
@@ -13170,7 +12899,7 @@
           <p:nvPr>
             <p:extLst>
               <p:ext uri="{D42A27DB-BD31-4B8C-83A1-F6EECF244321}">
-                <p14:modId xmlns="" xmlns:p14="http://schemas.microsoft.com/office/powerpoint/2010/main" val="3491080137"/>
+                <p14:modId xmlns:p14="http://schemas.microsoft.com/office/powerpoint/2010/main" xmlns="" val="3491080137"/>
               </p:ext>
             </p:extLst>
           </p:nvPr>
@@ -13189,42 +12918,42 @@
                 <a:gridCol w="1380432">
                   <a:extLst>
                     <a:ext uri="{9D8B030D-6E8A-4147-A177-3AD203B41FA5}">
-                      <a16:colId xmlns="" xmlns:a16="http://schemas.microsoft.com/office/drawing/2014/main" val="20000"/>
+                      <a16:colId xmlns:a16="http://schemas.microsoft.com/office/drawing/2014/main" xmlns="" val="20000"/>
                     </a:ext>
                   </a:extLst>
                 </a:gridCol>
                 <a:gridCol w="2195892">
                   <a:extLst>
                     <a:ext uri="{9D8B030D-6E8A-4147-A177-3AD203B41FA5}">
-                      <a16:colId xmlns="" xmlns:a16="http://schemas.microsoft.com/office/drawing/2014/main" val="20001"/>
+                      <a16:colId xmlns:a16="http://schemas.microsoft.com/office/drawing/2014/main" xmlns="" val="20001"/>
                     </a:ext>
                   </a:extLst>
                 </a:gridCol>
                 <a:gridCol w="1086007">
                   <a:extLst>
                     <a:ext uri="{9D8B030D-6E8A-4147-A177-3AD203B41FA5}">
-                      <a16:colId xmlns="" xmlns:a16="http://schemas.microsoft.com/office/drawing/2014/main" val="20002"/>
+                      <a16:colId xmlns:a16="http://schemas.microsoft.com/office/drawing/2014/main" xmlns="" val="20002"/>
                     </a:ext>
                   </a:extLst>
                 </a:gridCol>
                 <a:gridCol w="1927970">
                   <a:extLst>
                     <a:ext uri="{9D8B030D-6E8A-4147-A177-3AD203B41FA5}">
-                      <a16:colId xmlns="" xmlns:a16="http://schemas.microsoft.com/office/drawing/2014/main" val="20003"/>
+                      <a16:colId xmlns:a16="http://schemas.microsoft.com/office/drawing/2014/main" xmlns="" val="20003"/>
                     </a:ext>
                   </a:extLst>
                 </a:gridCol>
                 <a:gridCol w="1233488">
                   <a:extLst>
                     <a:ext uri="{9D8B030D-6E8A-4147-A177-3AD203B41FA5}">
-                      <a16:colId xmlns="" xmlns:a16="http://schemas.microsoft.com/office/drawing/2014/main" val="20004"/>
+                      <a16:colId xmlns:a16="http://schemas.microsoft.com/office/drawing/2014/main" xmlns="" val="20004"/>
                     </a:ext>
                   </a:extLst>
                 </a:gridCol>
                 <a:gridCol w="971549">
                   <a:extLst>
                     <a:ext uri="{9D8B030D-6E8A-4147-A177-3AD203B41FA5}">
-                      <a16:colId xmlns="" xmlns:a16="http://schemas.microsoft.com/office/drawing/2014/main" val="20006"/>
+                      <a16:colId xmlns:a16="http://schemas.microsoft.com/office/drawing/2014/main" xmlns="" val="20006"/>
                     </a:ext>
                   </a:extLst>
                 </a:gridCol>
@@ -13678,7 +13407,7 @@
                 </a:tc>
                 <a:extLst>
                   <a:ext uri="{0D108BD9-81ED-4DB2-BD59-A6C34878D82A}">
-                    <a16:rowId xmlns="" xmlns:a16="http://schemas.microsoft.com/office/drawing/2014/main" val="10000"/>
+                    <a16:rowId xmlns:a16="http://schemas.microsoft.com/office/drawing/2014/main" xmlns="" val="10000"/>
                   </a:ext>
                 </a:extLst>
               </a:tr>
@@ -13695,7 +13424,7 @@
           <p:nvPr>
             <p:extLst>
               <p:ext uri="{D42A27DB-BD31-4B8C-83A1-F6EECF244321}">
-                <p14:modId xmlns="" xmlns:p14="http://schemas.microsoft.com/office/powerpoint/2010/main" val="738574299"/>
+                <p14:modId xmlns:p14="http://schemas.microsoft.com/office/powerpoint/2010/main" xmlns="" val="738574299"/>
               </p:ext>
             </p:extLst>
           </p:nvPr>
@@ -14069,15 +13798,7 @@
                   <a:schemeClr val="tx1"/>
                 </a:solidFill>
               </a:rPr>
-              <a:t>: </a:t>
-            </a:r>
-            <a:r>
-              <a:rPr lang="en-US" altLang="ko-KR" sz="1000" smtClean="0">
-                <a:solidFill>
-                  <a:schemeClr val="tx1"/>
-                </a:solidFill>
-              </a:rPr>
-              <a:t>/InfoModify</a:t>
+              <a:t>: /InfoModify</a:t>
             </a:r>
             <a:endParaRPr lang="en-US" altLang="ko-KR" sz="1000" dirty="0" smtClean="0">
               <a:solidFill>
@@ -14383,41 +14104,17 @@
                   <a:schemeClr val="tx1"/>
                 </a:solidFill>
               </a:rPr>
-              <a:t>: </a:t>
-            </a:r>
+              <a:t>: /InfoMain</a:t>
+            </a:r>
+          </a:p>
+          <a:p>
             <a:r>
               <a:rPr lang="en-US" altLang="ko-KR" sz="1000" smtClean="0">
                 <a:solidFill>
                   <a:schemeClr val="tx1"/>
                 </a:solidFill>
               </a:rPr>
-              <a:t>/InfoMain</a:t>
-            </a:r>
-          </a:p>
-          <a:p>
-            <a:r>
-              <a:rPr lang="en-US" altLang="ko-KR" sz="1000" smtClean="0">
-                <a:solidFill>
-                  <a:schemeClr val="tx1"/>
-                </a:solidFill>
-              </a:rPr>
-              <a:t>2.View: </a:t>
-            </a:r>
-            <a:r>
-              <a:rPr lang="en-US" altLang="ko-KR" sz="1000" smtClean="0">
-                <a:solidFill>
-                  <a:schemeClr val="tx1"/>
-                </a:solidFill>
-              </a:rPr>
-              <a:t>MainMypage</a:t>
-            </a:r>
-            <a:r>
-              <a:rPr lang="en-US" altLang="ko-KR" sz="1000" smtClean="0">
-                <a:solidFill>
-                  <a:schemeClr val="tx1"/>
-                </a:solidFill>
-              </a:rPr>
-              <a:t>.jsp</a:t>
+              <a:t>2.View: MainMypage.jsp</a:t>
             </a:r>
             <a:endParaRPr lang="en-US" altLang="ko-KR" sz="1000" dirty="0" smtClean="0">
               <a:solidFill>
@@ -14663,7 +14360,7 @@
     </p:spTree>
     <p:extLst>
       <p:ext uri="{BB962C8B-B14F-4D97-AF65-F5344CB8AC3E}">
-        <p14:creationId xmlns="" xmlns:p14="http://schemas.microsoft.com/office/powerpoint/2010/main" val="1797118782"/>
+        <p14:creationId xmlns:p14="http://schemas.microsoft.com/office/powerpoint/2010/main" xmlns="" val="1797118782"/>
       </p:ext>
     </p:extLst>
   </p:cSld>
@@ -14707,7 +14404,7 @@
           <p:nvPr>
             <p:extLst>
               <p:ext uri="{D42A27DB-BD31-4B8C-83A1-F6EECF244321}">
-                <p14:modId xmlns="" xmlns:p14="http://schemas.microsoft.com/office/powerpoint/2010/main" val="3107416924"/>
+                <p14:modId xmlns:p14="http://schemas.microsoft.com/office/powerpoint/2010/main" xmlns="" val="3107416924"/>
               </p:ext>
             </p:extLst>
           </p:nvPr>
@@ -14726,7 +14423,7 @@
                 <a:gridCol w="6587921">
                   <a:extLst>
                     <a:ext uri="{9D8B030D-6E8A-4147-A177-3AD203B41FA5}">
-                      <a16:colId xmlns="" xmlns:a16="http://schemas.microsoft.com/office/drawing/2014/main" val="20000"/>
+                      <a16:colId xmlns:a16="http://schemas.microsoft.com/office/drawing/2014/main" xmlns="" val="20000"/>
                     </a:ext>
                   </a:extLst>
                 </a:gridCol>
@@ -14883,7 +14580,7 @@
                 </a:tc>
                 <a:extLst>
                   <a:ext uri="{0D108BD9-81ED-4DB2-BD59-A6C34878D82A}">
-                    <a16:rowId xmlns="" xmlns:a16="http://schemas.microsoft.com/office/drawing/2014/main" val="10000"/>
+                    <a16:rowId xmlns:a16="http://schemas.microsoft.com/office/drawing/2014/main" xmlns="" val="10000"/>
                   </a:ext>
                 </a:extLst>
               </a:tr>
@@ -15024,7 +14721,7 @@
           <p:nvPr>
             <p:extLst>
               <p:ext uri="{D42A27DB-BD31-4B8C-83A1-F6EECF244321}">
-                <p14:modId xmlns="" xmlns:p14="http://schemas.microsoft.com/office/powerpoint/2010/main" val="3491080137"/>
+                <p14:modId xmlns:p14="http://schemas.microsoft.com/office/powerpoint/2010/main" xmlns="" val="3491080137"/>
               </p:ext>
             </p:extLst>
           </p:nvPr>
@@ -15043,42 +14740,42 @@
                 <a:gridCol w="1380432">
                   <a:extLst>
                     <a:ext uri="{9D8B030D-6E8A-4147-A177-3AD203B41FA5}">
-                      <a16:colId xmlns="" xmlns:a16="http://schemas.microsoft.com/office/drawing/2014/main" val="20000"/>
+                      <a16:colId xmlns:a16="http://schemas.microsoft.com/office/drawing/2014/main" xmlns="" val="20000"/>
                     </a:ext>
                   </a:extLst>
                 </a:gridCol>
                 <a:gridCol w="2195892">
                   <a:extLst>
                     <a:ext uri="{9D8B030D-6E8A-4147-A177-3AD203B41FA5}">
-                      <a16:colId xmlns="" xmlns:a16="http://schemas.microsoft.com/office/drawing/2014/main" val="20001"/>
+                      <a16:colId xmlns:a16="http://schemas.microsoft.com/office/drawing/2014/main" xmlns="" val="20001"/>
                     </a:ext>
                   </a:extLst>
                 </a:gridCol>
                 <a:gridCol w="1086007">
                   <a:extLst>
                     <a:ext uri="{9D8B030D-6E8A-4147-A177-3AD203B41FA5}">
-                      <a16:colId xmlns="" xmlns:a16="http://schemas.microsoft.com/office/drawing/2014/main" val="20002"/>
+                      <a16:colId xmlns:a16="http://schemas.microsoft.com/office/drawing/2014/main" xmlns="" val="20002"/>
                     </a:ext>
                   </a:extLst>
                 </a:gridCol>
                 <a:gridCol w="1927970">
                   <a:extLst>
                     <a:ext uri="{9D8B030D-6E8A-4147-A177-3AD203B41FA5}">
-                      <a16:colId xmlns="" xmlns:a16="http://schemas.microsoft.com/office/drawing/2014/main" val="20003"/>
+                      <a16:colId xmlns:a16="http://schemas.microsoft.com/office/drawing/2014/main" xmlns="" val="20003"/>
                     </a:ext>
                   </a:extLst>
                 </a:gridCol>
                 <a:gridCol w="1233488">
                   <a:extLst>
                     <a:ext uri="{9D8B030D-6E8A-4147-A177-3AD203B41FA5}">
-                      <a16:colId xmlns="" xmlns:a16="http://schemas.microsoft.com/office/drawing/2014/main" val="20004"/>
+                      <a16:colId xmlns:a16="http://schemas.microsoft.com/office/drawing/2014/main" xmlns="" val="20004"/>
                     </a:ext>
                   </a:extLst>
                 </a:gridCol>
                 <a:gridCol w="971549">
                   <a:extLst>
                     <a:ext uri="{9D8B030D-6E8A-4147-A177-3AD203B41FA5}">
-                      <a16:colId xmlns="" xmlns:a16="http://schemas.microsoft.com/office/drawing/2014/main" val="20006"/>
+                      <a16:colId xmlns:a16="http://schemas.microsoft.com/office/drawing/2014/main" xmlns="" val="20006"/>
                     </a:ext>
                   </a:extLst>
                 </a:gridCol>
@@ -15329,17 +15026,7 @@
                           <a:latin typeface="+mn-ea"/>
                           <a:ea typeface="+mn-ea"/>
                         </a:rPr>
-                        <a:t>회원정보 </a:t>
-                      </a:r>
-                      <a:r>
-                        <a:rPr lang="ko-KR" altLang="en-US" sz="1000" b="0" baseline="0" smtClean="0">
-                          <a:solidFill>
-                            <a:schemeClr val="tx1"/>
-                          </a:solidFill>
-                          <a:latin typeface="+mn-ea"/>
-                          <a:ea typeface="+mn-ea"/>
-                        </a:rPr>
-                        <a:t>수정</a:t>
+                        <a:t>회원정보 수정</a:t>
                       </a:r>
                       <a:endParaRPr lang="ko-KR" altLang="en-US" sz="1000" b="0" dirty="0">
                         <a:solidFill>
@@ -15532,7 +15219,7 @@
                 </a:tc>
                 <a:extLst>
                   <a:ext uri="{0D108BD9-81ED-4DB2-BD59-A6C34878D82A}">
-                    <a16:rowId xmlns="" xmlns:a16="http://schemas.microsoft.com/office/drawing/2014/main" val="10000"/>
+                    <a16:rowId xmlns:a16="http://schemas.microsoft.com/office/drawing/2014/main" xmlns="" val="10000"/>
                   </a:ext>
                 </a:extLst>
               </a:tr>
@@ -15549,7 +15236,7 @@
           <p:nvPr>
             <p:extLst>
               <p:ext uri="{D42A27DB-BD31-4B8C-83A1-F6EECF244321}">
-                <p14:modId xmlns="" xmlns:p14="http://schemas.microsoft.com/office/powerpoint/2010/main" val="738574299"/>
+                <p14:modId xmlns:p14="http://schemas.microsoft.com/office/powerpoint/2010/main" xmlns="" val="738574299"/>
               </p:ext>
             </p:extLst>
           </p:nvPr>
@@ -15854,41 +15541,17 @@
                   <a:schemeClr val="tx1"/>
                 </a:solidFill>
               </a:rPr>
-              <a:t>: </a:t>
-            </a:r>
+              <a:t>: /PwModify</a:t>
+            </a:r>
+          </a:p>
+          <a:p>
             <a:r>
               <a:rPr lang="en-US" altLang="ko-KR" sz="1000" smtClean="0">
                 <a:solidFill>
                   <a:schemeClr val="tx1"/>
                 </a:solidFill>
               </a:rPr>
-              <a:t>/PwModify</a:t>
-            </a:r>
-          </a:p>
-          <a:p>
-            <a:r>
-              <a:rPr lang="en-US" altLang="ko-KR" sz="1000" smtClean="0">
-                <a:solidFill>
-                  <a:schemeClr val="tx1"/>
-                </a:solidFill>
-              </a:rPr>
-              <a:t>2.View: </a:t>
-            </a:r>
-            <a:r>
-              <a:rPr lang="en-US" altLang="ko-KR" sz="1000" smtClean="0">
-                <a:solidFill>
-                  <a:schemeClr val="tx1"/>
-                </a:solidFill>
-              </a:rPr>
-              <a:t>/</a:t>
-            </a:r>
-            <a:r>
-              <a:rPr lang="en-US" altLang="ko-KR" sz="1000" smtClean="0">
-                <a:solidFill>
-                  <a:schemeClr val="tx1"/>
-                </a:solidFill>
-              </a:rPr>
-              <a:t>view/my/ModiPw.jsp</a:t>
+              <a:t>2.View: /view/my/ModiPw.jsp</a:t>
             </a:r>
             <a:endParaRPr lang="ko-KR" altLang="en-US" sz="1000" smtClean="0">
               <a:solidFill>
@@ -16010,21 +15673,8 @@
                   <a:schemeClr val="tx1"/>
                 </a:solidFill>
               </a:rPr>
-              <a:t>: </a:t>
-            </a:r>
-            <a:r>
-              <a:rPr lang="en-US" altLang="ko-KR" sz="1000" smtClean="0">
-                <a:solidFill>
-                  <a:schemeClr val="tx1"/>
-                </a:solidFill>
-              </a:rPr>
-              <a:t>/InfoUpdate</a:t>
-            </a:r>
-            <a:endParaRPr lang="en-US" altLang="ko-KR" sz="1000" smtClean="0">
-              <a:solidFill>
-                <a:schemeClr val="tx1"/>
-              </a:solidFill>
-            </a:endParaRPr>
+              <a:t>: /InfoUpdate</a:t>
+            </a:r>
           </a:p>
           <a:p>
             <a:r>
@@ -16059,11 +15709,6 @@
               </a:rPr>
               <a:t>: </a:t>
             </a:r>
-            <a:endParaRPr lang="en-US" altLang="ko-KR" sz="1000" smtClean="0">
-              <a:solidFill>
-                <a:schemeClr val="tx1"/>
-              </a:solidFill>
-            </a:endParaRPr>
           </a:p>
           <a:p>
             <a:r>
@@ -16164,15 +15809,7 @@
                   <a:schemeClr val="tx1"/>
                 </a:solidFill>
               </a:rPr>
-              <a:t>=</a:t>
-            </a:r>
-            <a:r>
-              <a:rPr lang="en-US" altLang="ko-KR" sz="1000" smtClean="0">
-                <a:solidFill>
-                  <a:schemeClr val="tx1"/>
-                </a:solidFill>
-              </a:rPr>
-              <a:t>ufteam</a:t>
+              <a:t>=ufteam</a:t>
             </a:r>
             <a:endParaRPr lang="en-US" altLang="ko-KR" sz="1000" dirty="0" smtClean="0">
               <a:solidFill>
@@ -16351,7 +15988,6 @@
               <a:rPr lang="en-US" altLang="ko-KR" sz="1000" smtClean="0"/>
               <a:t>.</a:t>
             </a:r>
-            <a:endParaRPr lang="en-US" altLang="ko-KR" sz="1000" smtClean="0"/>
           </a:p>
           <a:p>
             <a:endParaRPr lang="en-US" altLang="ko-KR" sz="1000" smtClean="0"/>
@@ -16441,7 +16077,7 @@
     </p:spTree>
     <p:extLst>
       <p:ext uri="{BB962C8B-B14F-4D97-AF65-F5344CB8AC3E}">
-        <p14:creationId xmlns="" xmlns:p14="http://schemas.microsoft.com/office/powerpoint/2010/main" val="1797118782"/>
+        <p14:creationId xmlns:p14="http://schemas.microsoft.com/office/powerpoint/2010/main" xmlns="" val="1797118782"/>
       </p:ext>
     </p:extLst>
   </p:cSld>
@@ -16485,7 +16121,7 @@
           <p:nvPr>
             <p:extLst>
               <p:ext uri="{D42A27DB-BD31-4B8C-83A1-F6EECF244321}">
-                <p14:modId xmlns="" xmlns:p14="http://schemas.microsoft.com/office/powerpoint/2010/main" val="3107416924"/>
+                <p14:modId xmlns:p14="http://schemas.microsoft.com/office/powerpoint/2010/main" xmlns="" val="3107416924"/>
               </p:ext>
             </p:extLst>
           </p:nvPr>
@@ -16504,7 +16140,7 @@
                 <a:gridCol w="6587921">
                   <a:extLst>
                     <a:ext uri="{9D8B030D-6E8A-4147-A177-3AD203B41FA5}">
-                      <a16:colId xmlns="" xmlns:a16="http://schemas.microsoft.com/office/drawing/2014/main" val="20000"/>
+                      <a16:colId xmlns:a16="http://schemas.microsoft.com/office/drawing/2014/main" xmlns="" val="20000"/>
                     </a:ext>
                   </a:extLst>
                 </a:gridCol>
@@ -16661,7 +16297,7 @@
                 </a:tc>
                 <a:extLst>
                   <a:ext uri="{0D108BD9-81ED-4DB2-BD59-A6C34878D82A}">
-                    <a16:rowId xmlns="" xmlns:a16="http://schemas.microsoft.com/office/drawing/2014/main" val="10000"/>
+                    <a16:rowId xmlns:a16="http://schemas.microsoft.com/office/drawing/2014/main" xmlns="" val="10000"/>
                   </a:ext>
                 </a:extLst>
               </a:tr>
@@ -16802,7 +16438,7 @@
           <p:nvPr>
             <p:extLst>
               <p:ext uri="{D42A27DB-BD31-4B8C-83A1-F6EECF244321}">
-                <p14:modId xmlns="" xmlns:p14="http://schemas.microsoft.com/office/powerpoint/2010/main" val="3491080137"/>
+                <p14:modId xmlns:p14="http://schemas.microsoft.com/office/powerpoint/2010/main" xmlns="" val="3491080137"/>
               </p:ext>
             </p:extLst>
           </p:nvPr>
@@ -16821,42 +16457,42 @@
                 <a:gridCol w="1380432">
                   <a:extLst>
                     <a:ext uri="{9D8B030D-6E8A-4147-A177-3AD203B41FA5}">
-                      <a16:colId xmlns="" xmlns:a16="http://schemas.microsoft.com/office/drawing/2014/main" val="20000"/>
+                      <a16:colId xmlns:a16="http://schemas.microsoft.com/office/drawing/2014/main" xmlns="" val="20000"/>
                     </a:ext>
                   </a:extLst>
                 </a:gridCol>
                 <a:gridCol w="2195892">
                   <a:extLst>
                     <a:ext uri="{9D8B030D-6E8A-4147-A177-3AD203B41FA5}">
-                      <a16:colId xmlns="" xmlns:a16="http://schemas.microsoft.com/office/drawing/2014/main" val="20001"/>
+                      <a16:colId xmlns:a16="http://schemas.microsoft.com/office/drawing/2014/main" xmlns="" val="20001"/>
                     </a:ext>
                   </a:extLst>
                 </a:gridCol>
                 <a:gridCol w="1086007">
                   <a:extLst>
                     <a:ext uri="{9D8B030D-6E8A-4147-A177-3AD203B41FA5}">
-                      <a16:colId xmlns="" xmlns:a16="http://schemas.microsoft.com/office/drawing/2014/main" val="20002"/>
+                      <a16:colId xmlns:a16="http://schemas.microsoft.com/office/drawing/2014/main" xmlns="" val="20002"/>
                     </a:ext>
                   </a:extLst>
                 </a:gridCol>
                 <a:gridCol w="1927970">
                   <a:extLst>
                     <a:ext uri="{9D8B030D-6E8A-4147-A177-3AD203B41FA5}">
-                      <a16:colId xmlns="" xmlns:a16="http://schemas.microsoft.com/office/drawing/2014/main" val="20003"/>
+                      <a16:colId xmlns:a16="http://schemas.microsoft.com/office/drawing/2014/main" xmlns="" val="20003"/>
                     </a:ext>
                   </a:extLst>
                 </a:gridCol>
                 <a:gridCol w="1233488">
                   <a:extLst>
                     <a:ext uri="{9D8B030D-6E8A-4147-A177-3AD203B41FA5}">
-                      <a16:colId xmlns="" xmlns:a16="http://schemas.microsoft.com/office/drawing/2014/main" val="20004"/>
+                      <a16:colId xmlns:a16="http://schemas.microsoft.com/office/drawing/2014/main" xmlns="" val="20004"/>
                     </a:ext>
                   </a:extLst>
                 </a:gridCol>
                 <a:gridCol w="971549">
                   <a:extLst>
                     <a:ext uri="{9D8B030D-6E8A-4147-A177-3AD203B41FA5}">
-                      <a16:colId xmlns="" xmlns:a16="http://schemas.microsoft.com/office/drawing/2014/main" val="20006"/>
+                      <a16:colId xmlns:a16="http://schemas.microsoft.com/office/drawing/2014/main" xmlns="" val="20006"/>
                     </a:ext>
                   </a:extLst>
                 </a:gridCol>
@@ -17315,7 +16951,7 @@
                 </a:tc>
                 <a:extLst>
                   <a:ext uri="{0D108BD9-81ED-4DB2-BD59-A6C34878D82A}">
-                    <a16:rowId xmlns="" xmlns:a16="http://schemas.microsoft.com/office/drawing/2014/main" val="10000"/>
+                    <a16:rowId xmlns:a16="http://schemas.microsoft.com/office/drawing/2014/main" xmlns="" val="10000"/>
                   </a:ext>
                 </a:extLst>
               </a:tr>
@@ -17332,7 +16968,7 @@
           <p:nvPr>
             <p:extLst>
               <p:ext uri="{D42A27DB-BD31-4B8C-83A1-F6EECF244321}">
-                <p14:modId xmlns="" xmlns:p14="http://schemas.microsoft.com/office/powerpoint/2010/main" val="738574299"/>
+                <p14:modId xmlns:p14="http://schemas.microsoft.com/office/powerpoint/2010/main" xmlns="" val="738574299"/>
               </p:ext>
             </p:extLst>
           </p:nvPr>
@@ -17657,15 +17293,7 @@
                   <a:schemeClr val="tx1"/>
                 </a:solidFill>
               </a:rPr>
-              <a:t>: </a:t>
-            </a:r>
-            <a:r>
-              <a:rPr lang="en-US" altLang="ko-KR" sz="1000" smtClean="0">
-                <a:solidFill>
-                  <a:schemeClr val="tx1"/>
-                </a:solidFill>
-              </a:rPr>
-              <a:t>/updatePw</a:t>
+              <a:t>: /updatePw</a:t>
             </a:r>
           </a:p>
           <a:p>
@@ -17719,15 +17347,7 @@
                   <a:schemeClr val="tx1"/>
                 </a:solidFill>
               </a:rPr>
-              <a:t>3.View : </a:t>
-            </a:r>
-            <a:r>
-              <a:rPr lang="en-US" altLang="ko-KR" sz="1000" smtClean="0">
-                <a:solidFill>
-                  <a:schemeClr val="tx1"/>
-                </a:solidFill>
-              </a:rPr>
-              <a:t>ModiPwSuccess.jsp</a:t>
+              <a:t>3.View : ModiPwSuccess.jsp</a:t>
             </a:r>
             <a:endParaRPr lang="en-US" altLang="ko-KR" sz="1000" dirty="0" smtClean="0">
               <a:solidFill>
@@ -17954,7 +17574,7 @@
     </p:spTree>
     <p:extLst>
       <p:ext uri="{BB962C8B-B14F-4D97-AF65-F5344CB8AC3E}">
-        <p14:creationId xmlns="" xmlns:p14="http://schemas.microsoft.com/office/powerpoint/2010/main" val="1797118782"/>
+        <p14:creationId xmlns:p14="http://schemas.microsoft.com/office/powerpoint/2010/main" xmlns="" val="1797118782"/>
       </p:ext>
     </p:extLst>
   </p:cSld>
@@ -17998,7 +17618,7 @@
           <p:nvPr>
             <p:extLst>
               <p:ext uri="{D42A27DB-BD31-4B8C-83A1-F6EECF244321}">
-                <p14:modId xmlns="" xmlns:p14="http://schemas.microsoft.com/office/powerpoint/2010/main" val="3107416924"/>
+                <p14:modId xmlns:p14="http://schemas.microsoft.com/office/powerpoint/2010/main" xmlns="" val="3107416924"/>
               </p:ext>
             </p:extLst>
           </p:nvPr>
@@ -18017,7 +17637,7 @@
                 <a:gridCol w="6587921">
                   <a:extLst>
                     <a:ext uri="{9D8B030D-6E8A-4147-A177-3AD203B41FA5}">
-                      <a16:colId xmlns="" xmlns:a16="http://schemas.microsoft.com/office/drawing/2014/main" val="20000"/>
+                      <a16:colId xmlns:a16="http://schemas.microsoft.com/office/drawing/2014/main" xmlns="" val="20000"/>
                     </a:ext>
                   </a:extLst>
                 </a:gridCol>
@@ -18174,7 +17794,7 @@
                 </a:tc>
                 <a:extLst>
                   <a:ext uri="{0D108BD9-81ED-4DB2-BD59-A6C34878D82A}">
-                    <a16:rowId xmlns="" xmlns:a16="http://schemas.microsoft.com/office/drawing/2014/main" val="10000"/>
+                    <a16:rowId xmlns:a16="http://schemas.microsoft.com/office/drawing/2014/main" xmlns="" val="10000"/>
                   </a:ext>
                 </a:extLst>
               </a:tr>
@@ -18315,7 +17935,7 @@
           <p:nvPr>
             <p:extLst>
               <p:ext uri="{D42A27DB-BD31-4B8C-83A1-F6EECF244321}">
-                <p14:modId xmlns="" xmlns:p14="http://schemas.microsoft.com/office/powerpoint/2010/main" val="3491080137"/>
+                <p14:modId xmlns:p14="http://schemas.microsoft.com/office/powerpoint/2010/main" xmlns="" val="3491080137"/>
               </p:ext>
             </p:extLst>
           </p:nvPr>
@@ -18334,42 +17954,42 @@
                 <a:gridCol w="1380432">
                   <a:extLst>
                     <a:ext uri="{9D8B030D-6E8A-4147-A177-3AD203B41FA5}">
-                      <a16:colId xmlns="" xmlns:a16="http://schemas.microsoft.com/office/drawing/2014/main" val="20000"/>
+                      <a16:colId xmlns:a16="http://schemas.microsoft.com/office/drawing/2014/main" xmlns="" val="20000"/>
                     </a:ext>
                   </a:extLst>
                 </a:gridCol>
                 <a:gridCol w="2195892">
                   <a:extLst>
                     <a:ext uri="{9D8B030D-6E8A-4147-A177-3AD203B41FA5}">
-                      <a16:colId xmlns="" xmlns:a16="http://schemas.microsoft.com/office/drawing/2014/main" val="20001"/>
+                      <a16:colId xmlns:a16="http://schemas.microsoft.com/office/drawing/2014/main" xmlns="" val="20001"/>
                     </a:ext>
                   </a:extLst>
                 </a:gridCol>
                 <a:gridCol w="1086007">
                   <a:extLst>
                     <a:ext uri="{9D8B030D-6E8A-4147-A177-3AD203B41FA5}">
-                      <a16:colId xmlns="" xmlns:a16="http://schemas.microsoft.com/office/drawing/2014/main" val="20002"/>
+                      <a16:colId xmlns:a16="http://schemas.microsoft.com/office/drawing/2014/main" xmlns="" val="20002"/>
                     </a:ext>
                   </a:extLst>
                 </a:gridCol>
                 <a:gridCol w="1927970">
                   <a:extLst>
                     <a:ext uri="{9D8B030D-6E8A-4147-A177-3AD203B41FA5}">
-                      <a16:colId xmlns="" xmlns:a16="http://schemas.microsoft.com/office/drawing/2014/main" val="20003"/>
+                      <a16:colId xmlns:a16="http://schemas.microsoft.com/office/drawing/2014/main" xmlns="" val="20003"/>
                     </a:ext>
                   </a:extLst>
                 </a:gridCol>
                 <a:gridCol w="1233488">
                   <a:extLst>
                     <a:ext uri="{9D8B030D-6E8A-4147-A177-3AD203B41FA5}">
-                      <a16:colId xmlns="" xmlns:a16="http://schemas.microsoft.com/office/drawing/2014/main" val="20004"/>
+                      <a16:colId xmlns:a16="http://schemas.microsoft.com/office/drawing/2014/main" xmlns="" val="20004"/>
                     </a:ext>
                   </a:extLst>
                 </a:gridCol>
                 <a:gridCol w="971549">
                   <a:extLst>
                     <a:ext uri="{9D8B030D-6E8A-4147-A177-3AD203B41FA5}">
-                      <a16:colId xmlns="" xmlns:a16="http://schemas.microsoft.com/office/drawing/2014/main" val="20006"/>
+                      <a16:colId xmlns:a16="http://schemas.microsoft.com/office/drawing/2014/main" xmlns="" val="20006"/>
                     </a:ext>
                   </a:extLst>
                 </a:gridCol>
@@ -18828,7 +18448,7 @@
                 </a:tc>
                 <a:extLst>
                   <a:ext uri="{0D108BD9-81ED-4DB2-BD59-A6C34878D82A}">
-                    <a16:rowId xmlns="" xmlns:a16="http://schemas.microsoft.com/office/drawing/2014/main" val="10000"/>
+                    <a16:rowId xmlns:a16="http://schemas.microsoft.com/office/drawing/2014/main" xmlns="" val="10000"/>
                   </a:ext>
                 </a:extLst>
               </a:tr>
@@ -18845,7 +18465,7 @@
           <p:nvPr>
             <p:extLst>
               <p:ext uri="{D42A27DB-BD31-4B8C-83A1-F6EECF244321}">
-                <p14:modId xmlns="" xmlns:p14="http://schemas.microsoft.com/office/powerpoint/2010/main" val="738574299"/>
+                <p14:modId xmlns:p14="http://schemas.microsoft.com/office/powerpoint/2010/main" xmlns="" val="738574299"/>
               </p:ext>
             </p:extLst>
           </p:nvPr>
@@ -19342,11 +18962,7 @@
             </a:r>
             <a:r>
               <a:rPr lang="ko-KR" altLang="en-US" sz="1000" smtClean="0"/>
-              <a:t>페이지로 </a:t>
-            </a:r>
-            <a:r>
-              <a:rPr lang="ko-KR" altLang="en-US" sz="1000" smtClean="0"/>
-              <a:t>이동한다</a:t>
+              <a:t>페이지로 이동한다</a:t>
             </a:r>
             <a:r>
               <a:rPr lang="en-US" altLang="ko-KR" sz="1000" smtClean="0"/>
@@ -19376,6 +18992,13 @@
   <p:clrMapOvr>
     <a:masterClrMapping/>
   </p:clrMapOvr>
+  <p:timing>
+    <p:tnLst>
+      <p:par>
+        <p:cTn id="1" dur="indefinite" restart="never" nodeType="tmRoot"/>
+      </p:par>
+    </p:tnLst>
+  </p:timing>
 </p:sld>
 </file>
 
@@ -19405,7 +19028,7 @@
           <p:nvPr>
             <p:extLst>
               <p:ext uri="{D42A27DB-BD31-4B8C-83A1-F6EECF244321}">
-                <p14:modId xmlns="" xmlns:p14="http://schemas.microsoft.com/office/powerpoint/2010/main" val="3107416924"/>
+                <p14:modId xmlns:p14="http://schemas.microsoft.com/office/powerpoint/2010/main" xmlns="" val="3107416924"/>
               </p:ext>
             </p:extLst>
           </p:nvPr>
@@ -19424,7 +19047,7 @@
                 <a:gridCol w="6587921">
                   <a:extLst>
                     <a:ext uri="{9D8B030D-6E8A-4147-A177-3AD203B41FA5}">
-                      <a16:colId xmlns="" xmlns:a16="http://schemas.microsoft.com/office/drawing/2014/main" val="20000"/>
+                      <a16:colId xmlns:a16="http://schemas.microsoft.com/office/drawing/2014/main" xmlns="" val="20000"/>
                     </a:ext>
                   </a:extLst>
                 </a:gridCol>
@@ -19581,7 +19204,7 @@
                 </a:tc>
                 <a:extLst>
                   <a:ext uri="{0D108BD9-81ED-4DB2-BD59-A6C34878D82A}">
-                    <a16:rowId xmlns="" xmlns:a16="http://schemas.microsoft.com/office/drawing/2014/main" val="10000"/>
+                    <a16:rowId xmlns:a16="http://schemas.microsoft.com/office/drawing/2014/main" xmlns="" val="10000"/>
                   </a:ext>
                 </a:extLst>
               </a:tr>
@@ -19722,7 +19345,7 @@
           <p:nvPr>
             <p:extLst>
               <p:ext uri="{D42A27DB-BD31-4B8C-83A1-F6EECF244321}">
-                <p14:modId xmlns="" xmlns:p14="http://schemas.microsoft.com/office/powerpoint/2010/main" val="3491080137"/>
+                <p14:modId xmlns:p14="http://schemas.microsoft.com/office/powerpoint/2010/main" xmlns="" val="3491080137"/>
               </p:ext>
             </p:extLst>
           </p:nvPr>
@@ -19741,42 +19364,42 @@
                 <a:gridCol w="1380432">
                   <a:extLst>
                     <a:ext uri="{9D8B030D-6E8A-4147-A177-3AD203B41FA5}">
-                      <a16:colId xmlns="" xmlns:a16="http://schemas.microsoft.com/office/drawing/2014/main" val="20000"/>
+                      <a16:colId xmlns:a16="http://schemas.microsoft.com/office/drawing/2014/main" xmlns="" val="20000"/>
                     </a:ext>
                   </a:extLst>
                 </a:gridCol>
                 <a:gridCol w="2195892">
                   <a:extLst>
                     <a:ext uri="{9D8B030D-6E8A-4147-A177-3AD203B41FA5}">
-                      <a16:colId xmlns="" xmlns:a16="http://schemas.microsoft.com/office/drawing/2014/main" val="20001"/>
+                      <a16:colId xmlns:a16="http://schemas.microsoft.com/office/drawing/2014/main" xmlns="" val="20001"/>
                     </a:ext>
                   </a:extLst>
                 </a:gridCol>
                 <a:gridCol w="1086007">
                   <a:extLst>
                     <a:ext uri="{9D8B030D-6E8A-4147-A177-3AD203B41FA5}">
-                      <a16:colId xmlns="" xmlns:a16="http://schemas.microsoft.com/office/drawing/2014/main" val="20002"/>
+                      <a16:colId xmlns:a16="http://schemas.microsoft.com/office/drawing/2014/main" xmlns="" val="20002"/>
                     </a:ext>
                   </a:extLst>
                 </a:gridCol>
                 <a:gridCol w="1927970">
                   <a:extLst>
                     <a:ext uri="{9D8B030D-6E8A-4147-A177-3AD203B41FA5}">
-                      <a16:colId xmlns="" xmlns:a16="http://schemas.microsoft.com/office/drawing/2014/main" val="20003"/>
+                      <a16:colId xmlns:a16="http://schemas.microsoft.com/office/drawing/2014/main" xmlns="" val="20003"/>
                     </a:ext>
                   </a:extLst>
                 </a:gridCol>
                 <a:gridCol w="1233488">
                   <a:extLst>
                     <a:ext uri="{9D8B030D-6E8A-4147-A177-3AD203B41FA5}">
-                      <a16:colId xmlns="" xmlns:a16="http://schemas.microsoft.com/office/drawing/2014/main" val="20004"/>
+                      <a16:colId xmlns:a16="http://schemas.microsoft.com/office/drawing/2014/main" xmlns="" val="20004"/>
                     </a:ext>
                   </a:extLst>
                 </a:gridCol>
                 <a:gridCol w="971549">
                   <a:extLst>
                     <a:ext uri="{9D8B030D-6E8A-4147-A177-3AD203B41FA5}">
-                      <a16:colId xmlns="" xmlns:a16="http://schemas.microsoft.com/office/drawing/2014/main" val="20006"/>
+                      <a16:colId xmlns:a16="http://schemas.microsoft.com/office/drawing/2014/main" xmlns="" val="20006"/>
                     </a:ext>
                   </a:extLst>
                 </a:gridCol>
@@ -20242,7 +19865,7 @@
                 </a:tc>
                 <a:extLst>
                   <a:ext uri="{0D108BD9-81ED-4DB2-BD59-A6C34878D82A}">
-                    <a16:rowId xmlns="" xmlns:a16="http://schemas.microsoft.com/office/drawing/2014/main" val="10000"/>
+                    <a16:rowId xmlns:a16="http://schemas.microsoft.com/office/drawing/2014/main" xmlns="" val="10000"/>
                   </a:ext>
                 </a:extLst>
               </a:tr>
@@ -20259,7 +19882,7 @@
           <p:nvPr>
             <p:extLst>
               <p:ext uri="{D42A27DB-BD31-4B8C-83A1-F6EECF244321}">
-                <p14:modId xmlns="" xmlns:p14="http://schemas.microsoft.com/office/powerpoint/2010/main" val="738574299"/>
+                <p14:modId xmlns:p14="http://schemas.microsoft.com/office/powerpoint/2010/main" xmlns="" val="738574299"/>
               </p:ext>
             </p:extLst>
           </p:nvPr>
@@ -20604,62 +20227,7 @@
                   <a:schemeClr val="tx1"/>
                 </a:solidFill>
               </a:rPr>
-              <a:t>1</a:t>
-            </a:r>
-            <a:r>
-              <a:rPr lang="en-US" altLang="ko-KR" sz="900" smtClean="0">
-                <a:solidFill>
-                  <a:schemeClr val="tx1"/>
-                </a:solidFill>
-              </a:rPr>
-              <a:t>. </a:t>
-            </a:r>
-            <a:r>
-              <a:rPr lang="ko-KR" altLang="en-US" sz="900" smtClean="0">
-                <a:solidFill>
-                  <a:schemeClr val="tx1"/>
-                </a:solidFill>
-              </a:rPr>
-              <a:t>요청</a:t>
-            </a:r>
-            <a:r>
-              <a:rPr lang="en-US" altLang="ko-KR" sz="900" smtClean="0">
-                <a:solidFill>
-                  <a:schemeClr val="tx1"/>
-                </a:solidFill>
-              </a:rPr>
-              <a:t>: </a:t>
-            </a:r>
-            <a:r>
-              <a:rPr lang="en-US" altLang="ko-KR" sz="900" smtClean="0">
-                <a:solidFill>
-                  <a:schemeClr val="tx1"/>
-                </a:solidFill>
-              </a:rPr>
-              <a:t>/</a:t>
-            </a:r>
-            <a:r>
-              <a:rPr lang="en-US" altLang="ko-KR" sz="900" smtClean="0">
-                <a:solidFill>
-                  <a:schemeClr val="tx1"/>
-                </a:solidFill>
-              </a:rPr>
-              <a:t>MyTeamDetail</a:t>
-            </a:r>
-            <a:endParaRPr lang="en-US" altLang="ko-KR" sz="900" smtClean="0">
-              <a:solidFill>
-                <a:schemeClr val="tx1"/>
-              </a:solidFill>
-            </a:endParaRPr>
-          </a:p>
-          <a:p>
-            <a:r>
-              <a:rPr lang="en-US" altLang="ko-KR" sz="900" smtClean="0">
-                <a:solidFill>
-                  <a:schemeClr val="tx1"/>
-                </a:solidFill>
-              </a:rPr>
-              <a:t>2. </a:t>
+              <a:t>1. </a:t>
             </a:r>
             <a:r>
               <a:rPr lang="ko-KR" altLang="en-US" sz="900" smtClean="0">
@@ -20865,57 +20433,7 @@
                   <a:schemeClr val="tx1"/>
                 </a:solidFill>
               </a:rPr>
-              <a:t>1</a:t>
-            </a:r>
-            <a:r>
-              <a:rPr lang="en-US" altLang="ko-KR" sz="900" smtClean="0">
-                <a:solidFill>
-                  <a:schemeClr val="tx1"/>
-                </a:solidFill>
-              </a:rPr>
-              <a:t>. </a:t>
-            </a:r>
-            <a:r>
-              <a:rPr lang="ko-KR" altLang="en-US" sz="900" smtClean="0">
-                <a:solidFill>
-                  <a:schemeClr val="tx1"/>
-                </a:solidFill>
-              </a:rPr>
-              <a:t>요청</a:t>
-            </a:r>
-            <a:r>
-              <a:rPr lang="en-US" altLang="ko-KR" sz="900" smtClean="0">
-                <a:solidFill>
-                  <a:schemeClr val="tx1"/>
-                </a:solidFill>
-              </a:rPr>
-              <a:t>: </a:t>
-            </a:r>
-            <a:r>
-              <a:rPr lang="en-US" altLang="ko-KR" sz="900" smtClean="0">
-                <a:solidFill>
-                  <a:schemeClr val="tx1"/>
-                </a:solidFill>
-              </a:rPr>
-              <a:t>/</a:t>
-            </a:r>
-            <a:r>
-              <a:rPr lang="en-US" altLang="ko-KR" sz="900" smtClean="0">
-                <a:solidFill>
-                  <a:schemeClr val="tx1"/>
-                </a:solidFill>
-              </a:rPr>
-              <a:t>MyTeamMatch</a:t>
-            </a:r>
-          </a:p>
-          <a:p>
-            <a:r>
-              <a:rPr lang="en-US" altLang="ko-KR" sz="900" smtClean="0">
-                <a:solidFill>
-                  <a:schemeClr val="tx1"/>
-                </a:solidFill>
-              </a:rPr>
-              <a:t>2. </a:t>
+              <a:t>1. </a:t>
             </a:r>
             <a:r>
               <a:rPr lang="ko-KR" altLang="en-US" sz="900" smtClean="0">
@@ -20994,11 +20512,6 @@
               </a:rPr>
               <a:t>=MatchScore</a:t>
             </a:r>
-            <a:endParaRPr lang="en-US" altLang="ko-KR" sz="900" smtClean="0">
-              <a:solidFill>
-                <a:schemeClr val="tx1"/>
-              </a:solidFill>
-            </a:endParaRPr>
           </a:p>
         </p:txBody>
       </p:sp>
@@ -21211,6 +20724,13 @@
   <p:clrMapOvr>
     <a:masterClrMapping/>
   </p:clrMapOvr>
+  <p:timing>
+    <p:tnLst>
+      <p:par>
+        <p:cTn id="1" dur="indefinite" restart="never" nodeType="tmRoot"/>
+      </p:par>
+    </p:tnLst>
+  </p:timing>
 </p:sld>
 </file>
 

--- a/doc/1.개인폴더/박종수/스토리보드 - 마이페이지(박종수).pptx
+++ b/doc/1.개인폴더/박종수/스토리보드 - 마이페이지(박종수).pptx
@@ -115,7 +115,7 @@
   </p:defaultTextStyle>
   <p:extLst>
     <p:ext uri="{EFAFB233-063F-42B5-8137-9DF3F51BA10A}">
-      <p15:sldGuideLst xmlns:p15="http://schemas.microsoft.com/office/powerpoint/2012/main" xmlns="">
+      <p15:sldGuideLst xmlns="" xmlns:p15="http://schemas.microsoft.com/office/powerpoint/2012/main">
         <p15:guide id="1" orient="horz" pos="2160">
           <p15:clr>
             <a:srgbClr val="A4A3A4"/>
@@ -3093,7 +3093,7 @@
           <p:nvPr>
             <p:extLst>
               <p:ext uri="{D42A27DB-BD31-4B8C-83A1-F6EECF244321}">
-                <p14:modId xmlns:p14="http://schemas.microsoft.com/office/powerpoint/2010/main" xmlns="" val="1215295356"/>
+                <p14:modId xmlns="" xmlns:p14="http://schemas.microsoft.com/office/powerpoint/2010/main" val="1215295356"/>
               </p:ext>
             </p:extLst>
           </p:nvPr>
@@ -3112,7 +3112,7 @@
                 <a:gridCol w="6587921">
                   <a:extLst>
                     <a:ext uri="{9D8B030D-6E8A-4147-A177-3AD203B41FA5}">
-                      <a16:colId xmlns:a16="http://schemas.microsoft.com/office/drawing/2014/main" xmlns="" val="20000"/>
+                      <a16:colId xmlns="" xmlns:a16="http://schemas.microsoft.com/office/drawing/2014/main" val="20000"/>
                     </a:ext>
                   </a:extLst>
                 </a:gridCol>
@@ -3269,7 +3269,7 @@
                 </a:tc>
                 <a:extLst>
                   <a:ext uri="{0D108BD9-81ED-4DB2-BD59-A6C34878D82A}">
-                    <a16:rowId xmlns:a16="http://schemas.microsoft.com/office/drawing/2014/main" xmlns="" val="10000"/>
+                    <a16:rowId xmlns="" xmlns:a16="http://schemas.microsoft.com/office/drawing/2014/main" val="10000"/>
                   </a:ext>
                 </a:extLst>
               </a:tr>
@@ -3410,7 +3410,7 @@
           <p:nvPr>
             <p:extLst>
               <p:ext uri="{D42A27DB-BD31-4B8C-83A1-F6EECF244321}">
-                <p14:modId xmlns:p14="http://schemas.microsoft.com/office/powerpoint/2010/main" xmlns="" val="1215295356"/>
+                <p14:modId xmlns="" xmlns:p14="http://schemas.microsoft.com/office/powerpoint/2010/main" val="1215295356"/>
               </p:ext>
             </p:extLst>
           </p:nvPr>
@@ -3429,42 +3429,42 @@
                 <a:gridCol w="1380432">
                   <a:extLst>
                     <a:ext uri="{9D8B030D-6E8A-4147-A177-3AD203B41FA5}">
-                      <a16:colId xmlns:a16="http://schemas.microsoft.com/office/drawing/2014/main" xmlns="" val="20000"/>
+                      <a16:colId xmlns="" xmlns:a16="http://schemas.microsoft.com/office/drawing/2014/main" val="20000"/>
                     </a:ext>
                   </a:extLst>
                 </a:gridCol>
                 <a:gridCol w="2195892">
                   <a:extLst>
                     <a:ext uri="{9D8B030D-6E8A-4147-A177-3AD203B41FA5}">
-                      <a16:colId xmlns:a16="http://schemas.microsoft.com/office/drawing/2014/main" xmlns="" val="20001"/>
+                      <a16:colId xmlns="" xmlns:a16="http://schemas.microsoft.com/office/drawing/2014/main" val="20001"/>
                     </a:ext>
                   </a:extLst>
                 </a:gridCol>
                 <a:gridCol w="1086007">
                   <a:extLst>
                     <a:ext uri="{9D8B030D-6E8A-4147-A177-3AD203B41FA5}">
-                      <a16:colId xmlns:a16="http://schemas.microsoft.com/office/drawing/2014/main" xmlns="" val="20002"/>
+                      <a16:colId xmlns="" xmlns:a16="http://schemas.microsoft.com/office/drawing/2014/main" val="20002"/>
                     </a:ext>
                   </a:extLst>
                 </a:gridCol>
                 <a:gridCol w="1927970">
                   <a:extLst>
                     <a:ext uri="{9D8B030D-6E8A-4147-A177-3AD203B41FA5}">
-                      <a16:colId xmlns:a16="http://schemas.microsoft.com/office/drawing/2014/main" xmlns="" val="20003"/>
+                      <a16:colId xmlns="" xmlns:a16="http://schemas.microsoft.com/office/drawing/2014/main" val="20003"/>
                     </a:ext>
                   </a:extLst>
                 </a:gridCol>
                 <a:gridCol w="1233488">
                   <a:extLst>
                     <a:ext uri="{9D8B030D-6E8A-4147-A177-3AD203B41FA5}">
-                      <a16:colId xmlns:a16="http://schemas.microsoft.com/office/drawing/2014/main" xmlns="" val="20004"/>
+                      <a16:colId xmlns="" xmlns:a16="http://schemas.microsoft.com/office/drawing/2014/main" val="20004"/>
                     </a:ext>
                   </a:extLst>
                 </a:gridCol>
                 <a:gridCol w="971549">
                   <a:extLst>
                     <a:ext uri="{9D8B030D-6E8A-4147-A177-3AD203B41FA5}">
-                      <a16:colId xmlns:a16="http://schemas.microsoft.com/office/drawing/2014/main" xmlns="" val="20006"/>
+                      <a16:colId xmlns="" xmlns:a16="http://schemas.microsoft.com/office/drawing/2014/main" val="20006"/>
                     </a:ext>
                   </a:extLst>
                 </a:gridCol>
@@ -3908,7 +3908,7 @@
                 </a:tc>
                 <a:extLst>
                   <a:ext uri="{0D108BD9-81ED-4DB2-BD59-A6C34878D82A}">
-                    <a16:rowId xmlns:a16="http://schemas.microsoft.com/office/drawing/2014/main" xmlns="" val="10000"/>
+                    <a16:rowId xmlns="" xmlns:a16="http://schemas.microsoft.com/office/drawing/2014/main" val="10000"/>
                   </a:ext>
                 </a:extLst>
               </a:tr>
@@ -5380,7 +5380,7 @@
           <p:nvPr>
             <p:extLst>
               <p:ext uri="{D42A27DB-BD31-4B8C-83A1-F6EECF244321}">
-                <p14:modId xmlns:p14="http://schemas.microsoft.com/office/powerpoint/2010/main" xmlns="" val="3107416924"/>
+                <p14:modId xmlns="" xmlns:p14="http://schemas.microsoft.com/office/powerpoint/2010/main" val="3107416924"/>
               </p:ext>
             </p:extLst>
           </p:nvPr>
@@ -5399,7 +5399,7 @@
                 <a:gridCol w="6587921">
                   <a:extLst>
                     <a:ext uri="{9D8B030D-6E8A-4147-A177-3AD203B41FA5}">
-                      <a16:colId xmlns:a16="http://schemas.microsoft.com/office/drawing/2014/main" xmlns="" val="20000"/>
+                      <a16:colId xmlns="" xmlns:a16="http://schemas.microsoft.com/office/drawing/2014/main" val="20000"/>
                     </a:ext>
                   </a:extLst>
                 </a:gridCol>
@@ -5556,7 +5556,7 @@
                 </a:tc>
                 <a:extLst>
                   <a:ext uri="{0D108BD9-81ED-4DB2-BD59-A6C34878D82A}">
-                    <a16:rowId xmlns:a16="http://schemas.microsoft.com/office/drawing/2014/main" xmlns="" val="10000"/>
+                    <a16:rowId xmlns="" xmlns:a16="http://schemas.microsoft.com/office/drawing/2014/main" val="10000"/>
                   </a:ext>
                 </a:extLst>
               </a:tr>
@@ -5697,7 +5697,7 @@
           <p:nvPr>
             <p:extLst>
               <p:ext uri="{D42A27DB-BD31-4B8C-83A1-F6EECF244321}">
-                <p14:modId xmlns:p14="http://schemas.microsoft.com/office/powerpoint/2010/main" xmlns="" val="3491080137"/>
+                <p14:modId xmlns="" xmlns:p14="http://schemas.microsoft.com/office/powerpoint/2010/main" val="3491080137"/>
               </p:ext>
             </p:extLst>
           </p:nvPr>
@@ -5716,42 +5716,42 @@
                 <a:gridCol w="1380432">
                   <a:extLst>
                     <a:ext uri="{9D8B030D-6E8A-4147-A177-3AD203B41FA5}">
-                      <a16:colId xmlns:a16="http://schemas.microsoft.com/office/drawing/2014/main" xmlns="" val="20000"/>
+                      <a16:colId xmlns="" xmlns:a16="http://schemas.microsoft.com/office/drawing/2014/main" val="20000"/>
                     </a:ext>
                   </a:extLst>
                 </a:gridCol>
                 <a:gridCol w="2195892">
                   <a:extLst>
                     <a:ext uri="{9D8B030D-6E8A-4147-A177-3AD203B41FA5}">
-                      <a16:colId xmlns:a16="http://schemas.microsoft.com/office/drawing/2014/main" xmlns="" val="20001"/>
+                      <a16:colId xmlns="" xmlns:a16="http://schemas.microsoft.com/office/drawing/2014/main" val="20001"/>
                     </a:ext>
                   </a:extLst>
                 </a:gridCol>
                 <a:gridCol w="1086007">
                   <a:extLst>
                     <a:ext uri="{9D8B030D-6E8A-4147-A177-3AD203B41FA5}">
-                      <a16:colId xmlns:a16="http://schemas.microsoft.com/office/drawing/2014/main" xmlns="" val="20002"/>
+                      <a16:colId xmlns="" xmlns:a16="http://schemas.microsoft.com/office/drawing/2014/main" val="20002"/>
                     </a:ext>
                   </a:extLst>
                 </a:gridCol>
                 <a:gridCol w="1927970">
                   <a:extLst>
                     <a:ext uri="{9D8B030D-6E8A-4147-A177-3AD203B41FA5}">
-                      <a16:colId xmlns:a16="http://schemas.microsoft.com/office/drawing/2014/main" xmlns="" val="20003"/>
+                      <a16:colId xmlns="" xmlns:a16="http://schemas.microsoft.com/office/drawing/2014/main" val="20003"/>
                     </a:ext>
                   </a:extLst>
                 </a:gridCol>
                 <a:gridCol w="1233488">
                   <a:extLst>
                     <a:ext uri="{9D8B030D-6E8A-4147-A177-3AD203B41FA5}">
-                      <a16:colId xmlns:a16="http://schemas.microsoft.com/office/drawing/2014/main" xmlns="" val="20004"/>
+                      <a16:colId xmlns="" xmlns:a16="http://schemas.microsoft.com/office/drawing/2014/main" val="20004"/>
                     </a:ext>
                   </a:extLst>
                 </a:gridCol>
                 <a:gridCol w="971549">
                   <a:extLst>
                     <a:ext uri="{9D8B030D-6E8A-4147-A177-3AD203B41FA5}">
-                      <a16:colId xmlns:a16="http://schemas.microsoft.com/office/drawing/2014/main" xmlns="" val="20006"/>
+                      <a16:colId xmlns="" xmlns:a16="http://schemas.microsoft.com/office/drawing/2014/main" val="20006"/>
                     </a:ext>
                   </a:extLst>
                 </a:gridCol>
@@ -6217,7 +6217,7 @@
                 </a:tc>
                 <a:extLst>
                   <a:ext uri="{0D108BD9-81ED-4DB2-BD59-A6C34878D82A}">
-                    <a16:rowId xmlns:a16="http://schemas.microsoft.com/office/drawing/2014/main" xmlns="" val="10000"/>
+                    <a16:rowId xmlns="" xmlns:a16="http://schemas.microsoft.com/office/drawing/2014/main" val="10000"/>
                   </a:ext>
                 </a:extLst>
               </a:tr>
@@ -6234,7 +6234,7 @@
           <p:nvPr>
             <p:extLst>
               <p:ext uri="{D42A27DB-BD31-4B8C-83A1-F6EECF244321}">
-                <p14:modId xmlns:p14="http://schemas.microsoft.com/office/powerpoint/2010/main" xmlns="" val="738574299"/>
+                <p14:modId xmlns="" xmlns:p14="http://schemas.microsoft.com/office/powerpoint/2010/main" val="738574299"/>
               </p:ext>
             </p:extLst>
           </p:nvPr>
@@ -6897,7 +6897,7 @@
           <p:nvPr>
             <p:extLst>
               <p:ext uri="{D42A27DB-BD31-4B8C-83A1-F6EECF244321}">
-                <p14:modId xmlns:p14="http://schemas.microsoft.com/office/powerpoint/2010/main" xmlns="" val="3314987783"/>
+                <p14:modId xmlns="" xmlns:p14="http://schemas.microsoft.com/office/powerpoint/2010/main" val="3314987783"/>
               </p:ext>
             </p:extLst>
           </p:nvPr>
@@ -6916,7 +6916,7 @@
                 <a:gridCol w="6587921">
                   <a:extLst>
                     <a:ext uri="{9D8B030D-6E8A-4147-A177-3AD203B41FA5}">
-                      <a16:colId xmlns:a16="http://schemas.microsoft.com/office/drawing/2014/main" xmlns="" val="20000"/>
+                      <a16:colId xmlns="" xmlns:a16="http://schemas.microsoft.com/office/drawing/2014/main" val="20000"/>
                     </a:ext>
                   </a:extLst>
                 </a:gridCol>
@@ -7073,7 +7073,7 @@
                 </a:tc>
                 <a:extLst>
                   <a:ext uri="{0D108BD9-81ED-4DB2-BD59-A6C34878D82A}">
-                    <a16:rowId xmlns:a16="http://schemas.microsoft.com/office/drawing/2014/main" xmlns="" val="10000"/>
+                    <a16:rowId xmlns="" xmlns:a16="http://schemas.microsoft.com/office/drawing/2014/main" val="10000"/>
                   </a:ext>
                 </a:extLst>
               </a:tr>
@@ -7214,7 +7214,7 @@
           <p:nvPr>
             <p:extLst>
               <p:ext uri="{D42A27DB-BD31-4B8C-83A1-F6EECF244321}">
-                <p14:modId xmlns:p14="http://schemas.microsoft.com/office/powerpoint/2010/main" xmlns="" val="3491080137"/>
+                <p14:modId xmlns="" xmlns:p14="http://schemas.microsoft.com/office/powerpoint/2010/main" val="3491080137"/>
               </p:ext>
             </p:extLst>
           </p:nvPr>
@@ -7233,42 +7233,42 @@
                 <a:gridCol w="1380432">
                   <a:extLst>
                     <a:ext uri="{9D8B030D-6E8A-4147-A177-3AD203B41FA5}">
-                      <a16:colId xmlns:a16="http://schemas.microsoft.com/office/drawing/2014/main" xmlns="" val="20000"/>
+                      <a16:colId xmlns="" xmlns:a16="http://schemas.microsoft.com/office/drawing/2014/main" val="20000"/>
                     </a:ext>
                   </a:extLst>
                 </a:gridCol>
                 <a:gridCol w="2195892">
                   <a:extLst>
                     <a:ext uri="{9D8B030D-6E8A-4147-A177-3AD203B41FA5}">
-                      <a16:colId xmlns:a16="http://schemas.microsoft.com/office/drawing/2014/main" xmlns="" val="20001"/>
+                      <a16:colId xmlns="" xmlns:a16="http://schemas.microsoft.com/office/drawing/2014/main" val="20001"/>
                     </a:ext>
                   </a:extLst>
                 </a:gridCol>
                 <a:gridCol w="1086007">
                   <a:extLst>
                     <a:ext uri="{9D8B030D-6E8A-4147-A177-3AD203B41FA5}">
-                      <a16:colId xmlns:a16="http://schemas.microsoft.com/office/drawing/2014/main" xmlns="" val="20002"/>
+                      <a16:colId xmlns="" xmlns:a16="http://schemas.microsoft.com/office/drawing/2014/main" val="20002"/>
                     </a:ext>
                   </a:extLst>
                 </a:gridCol>
                 <a:gridCol w="1927970">
                   <a:extLst>
                     <a:ext uri="{9D8B030D-6E8A-4147-A177-3AD203B41FA5}">
-                      <a16:colId xmlns:a16="http://schemas.microsoft.com/office/drawing/2014/main" xmlns="" val="20003"/>
+                      <a16:colId xmlns="" xmlns:a16="http://schemas.microsoft.com/office/drawing/2014/main" val="20003"/>
                     </a:ext>
                   </a:extLst>
                 </a:gridCol>
                 <a:gridCol w="1233488">
                   <a:extLst>
                     <a:ext uri="{9D8B030D-6E8A-4147-A177-3AD203B41FA5}">
-                      <a16:colId xmlns:a16="http://schemas.microsoft.com/office/drawing/2014/main" xmlns="" val="20004"/>
+                      <a16:colId xmlns="" xmlns:a16="http://schemas.microsoft.com/office/drawing/2014/main" val="20004"/>
                     </a:ext>
                   </a:extLst>
                 </a:gridCol>
                 <a:gridCol w="971549">
                   <a:extLst>
                     <a:ext uri="{9D8B030D-6E8A-4147-A177-3AD203B41FA5}">
-                      <a16:colId xmlns:a16="http://schemas.microsoft.com/office/drawing/2014/main" xmlns="" val="20006"/>
+                      <a16:colId xmlns="" xmlns:a16="http://schemas.microsoft.com/office/drawing/2014/main" val="20006"/>
                     </a:ext>
                   </a:extLst>
                 </a:gridCol>
@@ -7722,7 +7722,7 @@
                 </a:tc>
                 <a:extLst>
                   <a:ext uri="{0D108BD9-81ED-4DB2-BD59-A6C34878D82A}">
-                    <a16:rowId xmlns:a16="http://schemas.microsoft.com/office/drawing/2014/main" xmlns="" val="10000"/>
+                    <a16:rowId xmlns="" xmlns:a16="http://schemas.microsoft.com/office/drawing/2014/main" val="10000"/>
                   </a:ext>
                 </a:extLst>
               </a:tr>
@@ -7739,7 +7739,7 @@
           <p:nvPr>
             <p:extLst>
               <p:ext uri="{D42A27DB-BD31-4B8C-83A1-F6EECF244321}">
-                <p14:modId xmlns:p14="http://schemas.microsoft.com/office/powerpoint/2010/main" xmlns="" val="3561059984"/>
+                <p14:modId xmlns="" xmlns:p14="http://schemas.microsoft.com/office/powerpoint/2010/main" val="3561059984"/>
               </p:ext>
             </p:extLst>
           </p:nvPr>
@@ -9297,7 +9297,7 @@
     </p:spTree>
     <p:extLst>
       <p:ext uri="{BB962C8B-B14F-4D97-AF65-F5344CB8AC3E}">
-        <p14:creationId xmlns:p14="http://schemas.microsoft.com/office/powerpoint/2010/main" xmlns="" val="1797118782"/>
+        <p14:creationId xmlns="" xmlns:p14="http://schemas.microsoft.com/office/powerpoint/2010/main" val="1797118782"/>
       </p:ext>
     </p:extLst>
   </p:cSld>
@@ -9341,7 +9341,7 @@
           <p:nvPr>
             <p:extLst>
               <p:ext uri="{D42A27DB-BD31-4B8C-83A1-F6EECF244321}">
-                <p14:modId xmlns:p14="http://schemas.microsoft.com/office/powerpoint/2010/main" xmlns="" val="3107416924"/>
+                <p14:modId xmlns="" xmlns:p14="http://schemas.microsoft.com/office/powerpoint/2010/main" val="3107416924"/>
               </p:ext>
             </p:extLst>
           </p:nvPr>
@@ -9360,7 +9360,7 @@
                 <a:gridCol w="6587921">
                   <a:extLst>
                     <a:ext uri="{9D8B030D-6E8A-4147-A177-3AD203B41FA5}">
-                      <a16:colId xmlns:a16="http://schemas.microsoft.com/office/drawing/2014/main" xmlns="" val="20000"/>
+                      <a16:colId xmlns="" xmlns:a16="http://schemas.microsoft.com/office/drawing/2014/main" val="20000"/>
                     </a:ext>
                   </a:extLst>
                 </a:gridCol>
@@ -9517,7 +9517,7 @@
                 </a:tc>
                 <a:extLst>
                   <a:ext uri="{0D108BD9-81ED-4DB2-BD59-A6C34878D82A}">
-                    <a16:rowId xmlns:a16="http://schemas.microsoft.com/office/drawing/2014/main" xmlns="" val="10000"/>
+                    <a16:rowId xmlns="" xmlns:a16="http://schemas.microsoft.com/office/drawing/2014/main" val="10000"/>
                   </a:ext>
                 </a:extLst>
               </a:tr>
@@ -9658,7 +9658,7 @@
           <p:nvPr>
             <p:extLst>
               <p:ext uri="{D42A27DB-BD31-4B8C-83A1-F6EECF244321}">
-                <p14:modId xmlns:p14="http://schemas.microsoft.com/office/powerpoint/2010/main" xmlns="" val="3491080137"/>
+                <p14:modId xmlns="" xmlns:p14="http://schemas.microsoft.com/office/powerpoint/2010/main" val="3491080137"/>
               </p:ext>
             </p:extLst>
           </p:nvPr>
@@ -9677,42 +9677,42 @@
                 <a:gridCol w="1380432">
                   <a:extLst>
                     <a:ext uri="{9D8B030D-6E8A-4147-A177-3AD203B41FA5}">
-                      <a16:colId xmlns:a16="http://schemas.microsoft.com/office/drawing/2014/main" xmlns="" val="20000"/>
+                      <a16:colId xmlns="" xmlns:a16="http://schemas.microsoft.com/office/drawing/2014/main" val="20000"/>
                     </a:ext>
                   </a:extLst>
                 </a:gridCol>
                 <a:gridCol w="2195892">
                   <a:extLst>
                     <a:ext uri="{9D8B030D-6E8A-4147-A177-3AD203B41FA5}">
-                      <a16:colId xmlns:a16="http://schemas.microsoft.com/office/drawing/2014/main" xmlns="" val="20001"/>
+                      <a16:colId xmlns="" xmlns:a16="http://schemas.microsoft.com/office/drawing/2014/main" val="20001"/>
                     </a:ext>
                   </a:extLst>
                 </a:gridCol>
                 <a:gridCol w="1086007">
                   <a:extLst>
                     <a:ext uri="{9D8B030D-6E8A-4147-A177-3AD203B41FA5}">
-                      <a16:colId xmlns:a16="http://schemas.microsoft.com/office/drawing/2014/main" xmlns="" val="20002"/>
+                      <a16:colId xmlns="" xmlns:a16="http://schemas.microsoft.com/office/drawing/2014/main" val="20002"/>
                     </a:ext>
                   </a:extLst>
                 </a:gridCol>
                 <a:gridCol w="1927970">
                   <a:extLst>
                     <a:ext uri="{9D8B030D-6E8A-4147-A177-3AD203B41FA5}">
-                      <a16:colId xmlns:a16="http://schemas.microsoft.com/office/drawing/2014/main" xmlns="" val="20003"/>
+                      <a16:colId xmlns="" xmlns:a16="http://schemas.microsoft.com/office/drawing/2014/main" val="20003"/>
                     </a:ext>
                   </a:extLst>
                 </a:gridCol>
                 <a:gridCol w="1233488">
                   <a:extLst>
                     <a:ext uri="{9D8B030D-6E8A-4147-A177-3AD203B41FA5}">
-                      <a16:colId xmlns:a16="http://schemas.microsoft.com/office/drawing/2014/main" xmlns="" val="20004"/>
+                      <a16:colId xmlns="" xmlns:a16="http://schemas.microsoft.com/office/drawing/2014/main" val="20004"/>
                     </a:ext>
                   </a:extLst>
                 </a:gridCol>
                 <a:gridCol w="971549">
                   <a:extLst>
                     <a:ext uri="{9D8B030D-6E8A-4147-A177-3AD203B41FA5}">
-                      <a16:colId xmlns:a16="http://schemas.microsoft.com/office/drawing/2014/main" xmlns="" val="20006"/>
+                      <a16:colId xmlns="" xmlns:a16="http://schemas.microsoft.com/office/drawing/2014/main" val="20006"/>
                     </a:ext>
                   </a:extLst>
                 </a:gridCol>
@@ -10171,7 +10171,7 @@
                 </a:tc>
                 <a:extLst>
                   <a:ext uri="{0D108BD9-81ED-4DB2-BD59-A6C34878D82A}">
-                    <a16:rowId xmlns:a16="http://schemas.microsoft.com/office/drawing/2014/main" xmlns="" val="10000"/>
+                    <a16:rowId xmlns="" xmlns:a16="http://schemas.microsoft.com/office/drawing/2014/main" val="10000"/>
                   </a:ext>
                 </a:extLst>
               </a:tr>
@@ -10188,7 +10188,7 @@
           <p:nvPr>
             <p:extLst>
               <p:ext uri="{D42A27DB-BD31-4B8C-83A1-F6EECF244321}">
-                <p14:modId xmlns:p14="http://schemas.microsoft.com/office/powerpoint/2010/main" xmlns="" val="738574299"/>
+                <p14:modId xmlns="" xmlns:p14="http://schemas.microsoft.com/office/powerpoint/2010/main" val="738574299"/>
               </p:ext>
             </p:extLst>
           </p:nvPr>
@@ -11175,7 +11175,7 @@
     </p:spTree>
     <p:extLst>
       <p:ext uri="{BB962C8B-B14F-4D97-AF65-F5344CB8AC3E}">
-        <p14:creationId xmlns:p14="http://schemas.microsoft.com/office/powerpoint/2010/main" xmlns="" val="1797118782"/>
+        <p14:creationId xmlns="" xmlns:p14="http://schemas.microsoft.com/office/powerpoint/2010/main" val="1797118782"/>
       </p:ext>
     </p:extLst>
   </p:cSld>
@@ -11219,7 +11219,7 @@
           <p:nvPr>
             <p:extLst>
               <p:ext uri="{D42A27DB-BD31-4B8C-83A1-F6EECF244321}">
-                <p14:modId xmlns:p14="http://schemas.microsoft.com/office/powerpoint/2010/main" xmlns="" val="3107416924"/>
+                <p14:modId xmlns="" xmlns:p14="http://schemas.microsoft.com/office/powerpoint/2010/main" val="3107416924"/>
               </p:ext>
             </p:extLst>
           </p:nvPr>
@@ -11238,7 +11238,7 @@
                 <a:gridCol w="6587921">
                   <a:extLst>
                     <a:ext uri="{9D8B030D-6E8A-4147-A177-3AD203B41FA5}">
-                      <a16:colId xmlns:a16="http://schemas.microsoft.com/office/drawing/2014/main" xmlns="" val="20000"/>
+                      <a16:colId xmlns="" xmlns:a16="http://schemas.microsoft.com/office/drawing/2014/main" val="20000"/>
                     </a:ext>
                   </a:extLst>
                 </a:gridCol>
@@ -11395,7 +11395,7 @@
                 </a:tc>
                 <a:extLst>
                   <a:ext uri="{0D108BD9-81ED-4DB2-BD59-A6C34878D82A}">
-                    <a16:rowId xmlns:a16="http://schemas.microsoft.com/office/drawing/2014/main" xmlns="" val="10000"/>
+                    <a16:rowId xmlns="" xmlns:a16="http://schemas.microsoft.com/office/drawing/2014/main" val="10000"/>
                   </a:ext>
                 </a:extLst>
               </a:tr>
@@ -11536,7 +11536,7 @@
           <p:nvPr>
             <p:extLst>
               <p:ext uri="{D42A27DB-BD31-4B8C-83A1-F6EECF244321}">
-                <p14:modId xmlns:p14="http://schemas.microsoft.com/office/powerpoint/2010/main" xmlns="" val="3491080137"/>
+                <p14:modId xmlns="" xmlns:p14="http://schemas.microsoft.com/office/powerpoint/2010/main" val="3491080137"/>
               </p:ext>
             </p:extLst>
           </p:nvPr>
@@ -11555,42 +11555,42 @@
                 <a:gridCol w="1380432">
                   <a:extLst>
                     <a:ext uri="{9D8B030D-6E8A-4147-A177-3AD203B41FA5}">
-                      <a16:colId xmlns:a16="http://schemas.microsoft.com/office/drawing/2014/main" xmlns="" val="20000"/>
+                      <a16:colId xmlns="" xmlns:a16="http://schemas.microsoft.com/office/drawing/2014/main" val="20000"/>
                     </a:ext>
                   </a:extLst>
                 </a:gridCol>
                 <a:gridCol w="2195892">
                   <a:extLst>
                     <a:ext uri="{9D8B030D-6E8A-4147-A177-3AD203B41FA5}">
-                      <a16:colId xmlns:a16="http://schemas.microsoft.com/office/drawing/2014/main" xmlns="" val="20001"/>
+                      <a16:colId xmlns="" xmlns:a16="http://schemas.microsoft.com/office/drawing/2014/main" val="20001"/>
                     </a:ext>
                   </a:extLst>
                 </a:gridCol>
                 <a:gridCol w="1086007">
                   <a:extLst>
                     <a:ext uri="{9D8B030D-6E8A-4147-A177-3AD203B41FA5}">
-                      <a16:colId xmlns:a16="http://schemas.microsoft.com/office/drawing/2014/main" xmlns="" val="20002"/>
+                      <a16:colId xmlns="" xmlns:a16="http://schemas.microsoft.com/office/drawing/2014/main" val="20002"/>
                     </a:ext>
                   </a:extLst>
                 </a:gridCol>
                 <a:gridCol w="1927970">
                   <a:extLst>
                     <a:ext uri="{9D8B030D-6E8A-4147-A177-3AD203B41FA5}">
-                      <a16:colId xmlns:a16="http://schemas.microsoft.com/office/drawing/2014/main" xmlns="" val="20003"/>
+                      <a16:colId xmlns="" xmlns:a16="http://schemas.microsoft.com/office/drawing/2014/main" val="20003"/>
                     </a:ext>
                   </a:extLst>
                 </a:gridCol>
                 <a:gridCol w="1233488">
                   <a:extLst>
                     <a:ext uri="{9D8B030D-6E8A-4147-A177-3AD203B41FA5}">
-                      <a16:colId xmlns:a16="http://schemas.microsoft.com/office/drawing/2014/main" xmlns="" val="20004"/>
+                      <a16:colId xmlns="" xmlns:a16="http://schemas.microsoft.com/office/drawing/2014/main" val="20004"/>
                     </a:ext>
                   </a:extLst>
                 </a:gridCol>
                 <a:gridCol w="971549">
                   <a:extLst>
                     <a:ext uri="{9D8B030D-6E8A-4147-A177-3AD203B41FA5}">
-                      <a16:colId xmlns:a16="http://schemas.microsoft.com/office/drawing/2014/main" xmlns="" val="20006"/>
+                      <a16:colId xmlns="" xmlns:a16="http://schemas.microsoft.com/office/drawing/2014/main" val="20006"/>
                     </a:ext>
                   </a:extLst>
                 </a:gridCol>
@@ -12049,7 +12049,7 @@
                 </a:tc>
                 <a:extLst>
                   <a:ext uri="{0D108BD9-81ED-4DB2-BD59-A6C34878D82A}">
-                    <a16:rowId xmlns:a16="http://schemas.microsoft.com/office/drawing/2014/main" xmlns="" val="10000"/>
+                    <a16:rowId xmlns="" xmlns:a16="http://schemas.microsoft.com/office/drawing/2014/main" val="10000"/>
                   </a:ext>
                 </a:extLst>
               </a:tr>
@@ -12066,7 +12066,7 @@
           <p:nvPr>
             <p:extLst>
               <p:ext uri="{D42A27DB-BD31-4B8C-83A1-F6EECF244321}">
-                <p14:modId xmlns:p14="http://schemas.microsoft.com/office/powerpoint/2010/main" xmlns="" val="738574299"/>
+                <p14:modId xmlns="" xmlns:p14="http://schemas.microsoft.com/office/powerpoint/2010/main" val="738574299"/>
               </p:ext>
             </p:extLst>
           </p:nvPr>
@@ -12582,7 +12582,7 @@
           <p:nvPr>
             <p:extLst>
               <p:ext uri="{D42A27DB-BD31-4B8C-83A1-F6EECF244321}">
-                <p14:modId xmlns:p14="http://schemas.microsoft.com/office/powerpoint/2010/main" xmlns="" val="3107416924"/>
+                <p14:modId xmlns="" xmlns:p14="http://schemas.microsoft.com/office/powerpoint/2010/main" val="3107416924"/>
               </p:ext>
             </p:extLst>
           </p:nvPr>
@@ -12601,7 +12601,7 @@
                 <a:gridCol w="6587921">
                   <a:extLst>
                     <a:ext uri="{9D8B030D-6E8A-4147-A177-3AD203B41FA5}">
-                      <a16:colId xmlns:a16="http://schemas.microsoft.com/office/drawing/2014/main" xmlns="" val="20000"/>
+                      <a16:colId xmlns="" xmlns:a16="http://schemas.microsoft.com/office/drawing/2014/main" val="20000"/>
                     </a:ext>
                   </a:extLst>
                 </a:gridCol>
@@ -12758,7 +12758,7 @@
                 </a:tc>
                 <a:extLst>
                   <a:ext uri="{0D108BD9-81ED-4DB2-BD59-A6C34878D82A}">
-                    <a16:rowId xmlns:a16="http://schemas.microsoft.com/office/drawing/2014/main" xmlns="" val="10000"/>
+                    <a16:rowId xmlns="" xmlns:a16="http://schemas.microsoft.com/office/drawing/2014/main" val="10000"/>
                   </a:ext>
                 </a:extLst>
               </a:tr>
@@ -12899,7 +12899,7 @@
           <p:nvPr>
             <p:extLst>
               <p:ext uri="{D42A27DB-BD31-4B8C-83A1-F6EECF244321}">
-                <p14:modId xmlns:p14="http://schemas.microsoft.com/office/powerpoint/2010/main" xmlns="" val="3491080137"/>
+                <p14:modId xmlns="" xmlns:p14="http://schemas.microsoft.com/office/powerpoint/2010/main" val="3491080137"/>
               </p:ext>
             </p:extLst>
           </p:nvPr>
@@ -12918,42 +12918,42 @@
                 <a:gridCol w="1380432">
                   <a:extLst>
                     <a:ext uri="{9D8B030D-6E8A-4147-A177-3AD203B41FA5}">
-                      <a16:colId xmlns:a16="http://schemas.microsoft.com/office/drawing/2014/main" xmlns="" val="20000"/>
+                      <a16:colId xmlns="" xmlns:a16="http://schemas.microsoft.com/office/drawing/2014/main" val="20000"/>
                     </a:ext>
                   </a:extLst>
                 </a:gridCol>
                 <a:gridCol w="2195892">
                   <a:extLst>
                     <a:ext uri="{9D8B030D-6E8A-4147-A177-3AD203B41FA5}">
-                      <a16:colId xmlns:a16="http://schemas.microsoft.com/office/drawing/2014/main" xmlns="" val="20001"/>
+                      <a16:colId xmlns="" xmlns:a16="http://schemas.microsoft.com/office/drawing/2014/main" val="20001"/>
                     </a:ext>
                   </a:extLst>
                 </a:gridCol>
                 <a:gridCol w="1086007">
                   <a:extLst>
                     <a:ext uri="{9D8B030D-6E8A-4147-A177-3AD203B41FA5}">
-                      <a16:colId xmlns:a16="http://schemas.microsoft.com/office/drawing/2014/main" xmlns="" val="20002"/>
+                      <a16:colId xmlns="" xmlns:a16="http://schemas.microsoft.com/office/drawing/2014/main" val="20002"/>
                     </a:ext>
                   </a:extLst>
                 </a:gridCol>
                 <a:gridCol w="1927970">
                   <a:extLst>
                     <a:ext uri="{9D8B030D-6E8A-4147-A177-3AD203B41FA5}">
-                      <a16:colId xmlns:a16="http://schemas.microsoft.com/office/drawing/2014/main" xmlns="" val="20003"/>
+                      <a16:colId xmlns="" xmlns:a16="http://schemas.microsoft.com/office/drawing/2014/main" val="20003"/>
                     </a:ext>
                   </a:extLst>
                 </a:gridCol>
                 <a:gridCol w="1233488">
                   <a:extLst>
                     <a:ext uri="{9D8B030D-6E8A-4147-A177-3AD203B41FA5}">
-                      <a16:colId xmlns:a16="http://schemas.microsoft.com/office/drawing/2014/main" xmlns="" val="20004"/>
+                      <a16:colId xmlns="" xmlns:a16="http://schemas.microsoft.com/office/drawing/2014/main" val="20004"/>
                     </a:ext>
                   </a:extLst>
                 </a:gridCol>
                 <a:gridCol w="971549">
                   <a:extLst>
                     <a:ext uri="{9D8B030D-6E8A-4147-A177-3AD203B41FA5}">
-                      <a16:colId xmlns:a16="http://schemas.microsoft.com/office/drawing/2014/main" xmlns="" val="20006"/>
+                      <a16:colId xmlns="" xmlns:a16="http://schemas.microsoft.com/office/drawing/2014/main" val="20006"/>
                     </a:ext>
                   </a:extLst>
                 </a:gridCol>
@@ -13407,7 +13407,7 @@
                 </a:tc>
                 <a:extLst>
                   <a:ext uri="{0D108BD9-81ED-4DB2-BD59-A6C34878D82A}">
-                    <a16:rowId xmlns:a16="http://schemas.microsoft.com/office/drawing/2014/main" xmlns="" val="10000"/>
+                    <a16:rowId xmlns="" xmlns:a16="http://schemas.microsoft.com/office/drawing/2014/main" val="10000"/>
                   </a:ext>
                 </a:extLst>
               </a:tr>
@@ -13424,7 +13424,7 @@
           <p:nvPr>
             <p:extLst>
               <p:ext uri="{D42A27DB-BD31-4B8C-83A1-F6EECF244321}">
-                <p14:modId xmlns:p14="http://schemas.microsoft.com/office/powerpoint/2010/main" xmlns="" val="738574299"/>
+                <p14:modId xmlns="" xmlns:p14="http://schemas.microsoft.com/office/powerpoint/2010/main" val="738574299"/>
               </p:ext>
             </p:extLst>
           </p:nvPr>
@@ -14360,7 +14360,7 @@
     </p:spTree>
     <p:extLst>
       <p:ext uri="{BB962C8B-B14F-4D97-AF65-F5344CB8AC3E}">
-        <p14:creationId xmlns:p14="http://schemas.microsoft.com/office/powerpoint/2010/main" xmlns="" val="1797118782"/>
+        <p14:creationId xmlns="" xmlns:p14="http://schemas.microsoft.com/office/powerpoint/2010/main" val="1797118782"/>
       </p:ext>
     </p:extLst>
   </p:cSld>
@@ -14404,7 +14404,7 @@
           <p:nvPr>
             <p:extLst>
               <p:ext uri="{D42A27DB-BD31-4B8C-83A1-F6EECF244321}">
-                <p14:modId xmlns:p14="http://schemas.microsoft.com/office/powerpoint/2010/main" xmlns="" val="3107416924"/>
+                <p14:modId xmlns="" xmlns:p14="http://schemas.microsoft.com/office/powerpoint/2010/main" val="3107416924"/>
               </p:ext>
             </p:extLst>
           </p:nvPr>
@@ -14423,7 +14423,7 @@
                 <a:gridCol w="6587921">
                   <a:extLst>
                     <a:ext uri="{9D8B030D-6E8A-4147-A177-3AD203B41FA5}">
-                      <a16:colId xmlns:a16="http://schemas.microsoft.com/office/drawing/2014/main" xmlns="" val="20000"/>
+                      <a16:colId xmlns="" xmlns:a16="http://schemas.microsoft.com/office/drawing/2014/main" val="20000"/>
                     </a:ext>
                   </a:extLst>
                 </a:gridCol>
@@ -14580,7 +14580,7 @@
                 </a:tc>
                 <a:extLst>
                   <a:ext uri="{0D108BD9-81ED-4DB2-BD59-A6C34878D82A}">
-                    <a16:rowId xmlns:a16="http://schemas.microsoft.com/office/drawing/2014/main" xmlns="" val="10000"/>
+                    <a16:rowId xmlns="" xmlns:a16="http://schemas.microsoft.com/office/drawing/2014/main" val="10000"/>
                   </a:ext>
                 </a:extLst>
               </a:tr>
@@ -14721,7 +14721,7 @@
           <p:nvPr>
             <p:extLst>
               <p:ext uri="{D42A27DB-BD31-4B8C-83A1-F6EECF244321}">
-                <p14:modId xmlns:p14="http://schemas.microsoft.com/office/powerpoint/2010/main" xmlns="" val="3491080137"/>
+                <p14:modId xmlns="" xmlns:p14="http://schemas.microsoft.com/office/powerpoint/2010/main" val="3491080137"/>
               </p:ext>
             </p:extLst>
           </p:nvPr>
@@ -14740,42 +14740,42 @@
                 <a:gridCol w="1380432">
                   <a:extLst>
                     <a:ext uri="{9D8B030D-6E8A-4147-A177-3AD203B41FA5}">
-                      <a16:colId xmlns:a16="http://schemas.microsoft.com/office/drawing/2014/main" xmlns="" val="20000"/>
+                      <a16:colId xmlns="" xmlns:a16="http://schemas.microsoft.com/office/drawing/2014/main" val="20000"/>
                     </a:ext>
                   </a:extLst>
                 </a:gridCol>
                 <a:gridCol w="2195892">
                   <a:extLst>
                     <a:ext uri="{9D8B030D-6E8A-4147-A177-3AD203B41FA5}">
-                      <a16:colId xmlns:a16="http://schemas.microsoft.com/office/drawing/2014/main" xmlns="" val="20001"/>
+                      <a16:colId xmlns="" xmlns:a16="http://schemas.microsoft.com/office/drawing/2014/main" val="20001"/>
                     </a:ext>
                   </a:extLst>
                 </a:gridCol>
                 <a:gridCol w="1086007">
                   <a:extLst>
                     <a:ext uri="{9D8B030D-6E8A-4147-A177-3AD203B41FA5}">
-                      <a16:colId xmlns:a16="http://schemas.microsoft.com/office/drawing/2014/main" xmlns="" val="20002"/>
+                      <a16:colId xmlns="" xmlns:a16="http://schemas.microsoft.com/office/drawing/2014/main" val="20002"/>
                     </a:ext>
                   </a:extLst>
                 </a:gridCol>
                 <a:gridCol w="1927970">
                   <a:extLst>
                     <a:ext uri="{9D8B030D-6E8A-4147-A177-3AD203B41FA5}">
-                      <a16:colId xmlns:a16="http://schemas.microsoft.com/office/drawing/2014/main" xmlns="" val="20003"/>
+                      <a16:colId xmlns="" xmlns:a16="http://schemas.microsoft.com/office/drawing/2014/main" val="20003"/>
                     </a:ext>
                   </a:extLst>
                 </a:gridCol>
                 <a:gridCol w="1233488">
                   <a:extLst>
                     <a:ext uri="{9D8B030D-6E8A-4147-A177-3AD203B41FA5}">
-                      <a16:colId xmlns:a16="http://schemas.microsoft.com/office/drawing/2014/main" xmlns="" val="20004"/>
+                      <a16:colId xmlns="" xmlns:a16="http://schemas.microsoft.com/office/drawing/2014/main" val="20004"/>
                     </a:ext>
                   </a:extLst>
                 </a:gridCol>
                 <a:gridCol w="971549">
                   <a:extLst>
                     <a:ext uri="{9D8B030D-6E8A-4147-A177-3AD203B41FA5}">
-                      <a16:colId xmlns:a16="http://schemas.microsoft.com/office/drawing/2014/main" xmlns="" val="20006"/>
+                      <a16:colId xmlns="" xmlns:a16="http://schemas.microsoft.com/office/drawing/2014/main" val="20006"/>
                     </a:ext>
                   </a:extLst>
                 </a:gridCol>
@@ -15219,7 +15219,7 @@
                 </a:tc>
                 <a:extLst>
                   <a:ext uri="{0D108BD9-81ED-4DB2-BD59-A6C34878D82A}">
-                    <a16:rowId xmlns:a16="http://schemas.microsoft.com/office/drawing/2014/main" xmlns="" val="10000"/>
+                    <a16:rowId xmlns="" xmlns:a16="http://schemas.microsoft.com/office/drawing/2014/main" val="10000"/>
                   </a:ext>
                 </a:extLst>
               </a:tr>
@@ -15236,7 +15236,7 @@
           <p:nvPr>
             <p:extLst>
               <p:ext uri="{D42A27DB-BD31-4B8C-83A1-F6EECF244321}">
-                <p14:modId xmlns:p14="http://schemas.microsoft.com/office/powerpoint/2010/main" xmlns="" val="738574299"/>
+                <p14:modId xmlns="" xmlns:p14="http://schemas.microsoft.com/office/powerpoint/2010/main" val="738574299"/>
               </p:ext>
             </p:extLst>
           </p:nvPr>
@@ -16077,7 +16077,7 @@
     </p:spTree>
     <p:extLst>
       <p:ext uri="{BB962C8B-B14F-4D97-AF65-F5344CB8AC3E}">
-        <p14:creationId xmlns:p14="http://schemas.microsoft.com/office/powerpoint/2010/main" xmlns="" val="1797118782"/>
+        <p14:creationId xmlns="" xmlns:p14="http://schemas.microsoft.com/office/powerpoint/2010/main" val="1797118782"/>
       </p:ext>
     </p:extLst>
   </p:cSld>
@@ -16121,7 +16121,7 @@
           <p:nvPr>
             <p:extLst>
               <p:ext uri="{D42A27DB-BD31-4B8C-83A1-F6EECF244321}">
-                <p14:modId xmlns:p14="http://schemas.microsoft.com/office/powerpoint/2010/main" xmlns="" val="3107416924"/>
+                <p14:modId xmlns="" xmlns:p14="http://schemas.microsoft.com/office/powerpoint/2010/main" val="3107416924"/>
               </p:ext>
             </p:extLst>
           </p:nvPr>
@@ -16140,7 +16140,7 @@
                 <a:gridCol w="6587921">
                   <a:extLst>
                     <a:ext uri="{9D8B030D-6E8A-4147-A177-3AD203B41FA5}">
-                      <a16:colId xmlns:a16="http://schemas.microsoft.com/office/drawing/2014/main" xmlns="" val="20000"/>
+                      <a16:colId xmlns="" xmlns:a16="http://schemas.microsoft.com/office/drawing/2014/main" val="20000"/>
                     </a:ext>
                   </a:extLst>
                 </a:gridCol>
@@ -16297,7 +16297,7 @@
                 </a:tc>
                 <a:extLst>
                   <a:ext uri="{0D108BD9-81ED-4DB2-BD59-A6C34878D82A}">
-                    <a16:rowId xmlns:a16="http://schemas.microsoft.com/office/drawing/2014/main" xmlns="" val="10000"/>
+                    <a16:rowId xmlns="" xmlns:a16="http://schemas.microsoft.com/office/drawing/2014/main" val="10000"/>
                   </a:ext>
                 </a:extLst>
               </a:tr>
@@ -16438,7 +16438,7 @@
           <p:nvPr>
             <p:extLst>
               <p:ext uri="{D42A27DB-BD31-4B8C-83A1-F6EECF244321}">
-                <p14:modId xmlns:p14="http://schemas.microsoft.com/office/powerpoint/2010/main" xmlns="" val="3491080137"/>
+                <p14:modId xmlns="" xmlns:p14="http://schemas.microsoft.com/office/powerpoint/2010/main" val="3491080137"/>
               </p:ext>
             </p:extLst>
           </p:nvPr>
@@ -16457,42 +16457,42 @@
                 <a:gridCol w="1380432">
                   <a:extLst>
                     <a:ext uri="{9D8B030D-6E8A-4147-A177-3AD203B41FA5}">
-                      <a16:colId xmlns:a16="http://schemas.microsoft.com/office/drawing/2014/main" xmlns="" val="20000"/>
+                      <a16:colId xmlns="" xmlns:a16="http://schemas.microsoft.com/office/drawing/2014/main" val="20000"/>
                     </a:ext>
                   </a:extLst>
                 </a:gridCol>
                 <a:gridCol w="2195892">
                   <a:extLst>
                     <a:ext uri="{9D8B030D-6E8A-4147-A177-3AD203B41FA5}">
-                      <a16:colId xmlns:a16="http://schemas.microsoft.com/office/drawing/2014/main" xmlns="" val="20001"/>
+                      <a16:colId xmlns="" xmlns:a16="http://schemas.microsoft.com/office/drawing/2014/main" val="20001"/>
                     </a:ext>
                   </a:extLst>
                 </a:gridCol>
                 <a:gridCol w="1086007">
                   <a:extLst>
                     <a:ext uri="{9D8B030D-6E8A-4147-A177-3AD203B41FA5}">
-                      <a16:colId xmlns:a16="http://schemas.microsoft.com/office/drawing/2014/main" xmlns="" val="20002"/>
+                      <a16:colId xmlns="" xmlns:a16="http://schemas.microsoft.com/office/drawing/2014/main" val="20002"/>
                     </a:ext>
                   </a:extLst>
                 </a:gridCol>
                 <a:gridCol w="1927970">
                   <a:extLst>
                     <a:ext uri="{9D8B030D-6E8A-4147-A177-3AD203B41FA5}">
-                      <a16:colId xmlns:a16="http://schemas.microsoft.com/office/drawing/2014/main" xmlns="" val="20003"/>
+                      <a16:colId xmlns="" xmlns:a16="http://schemas.microsoft.com/office/drawing/2014/main" val="20003"/>
                     </a:ext>
                   </a:extLst>
                 </a:gridCol>
                 <a:gridCol w="1233488">
                   <a:extLst>
                     <a:ext uri="{9D8B030D-6E8A-4147-A177-3AD203B41FA5}">
-                      <a16:colId xmlns:a16="http://schemas.microsoft.com/office/drawing/2014/main" xmlns="" val="20004"/>
+                      <a16:colId xmlns="" xmlns:a16="http://schemas.microsoft.com/office/drawing/2014/main" val="20004"/>
                     </a:ext>
                   </a:extLst>
                 </a:gridCol>
                 <a:gridCol w="971549">
                   <a:extLst>
                     <a:ext uri="{9D8B030D-6E8A-4147-A177-3AD203B41FA5}">
-                      <a16:colId xmlns:a16="http://schemas.microsoft.com/office/drawing/2014/main" xmlns="" val="20006"/>
+                      <a16:colId xmlns="" xmlns:a16="http://schemas.microsoft.com/office/drawing/2014/main" val="20006"/>
                     </a:ext>
                   </a:extLst>
                 </a:gridCol>
@@ -16951,7 +16951,7 @@
                 </a:tc>
                 <a:extLst>
                   <a:ext uri="{0D108BD9-81ED-4DB2-BD59-A6C34878D82A}">
-                    <a16:rowId xmlns:a16="http://schemas.microsoft.com/office/drawing/2014/main" xmlns="" val="10000"/>
+                    <a16:rowId xmlns="" xmlns:a16="http://schemas.microsoft.com/office/drawing/2014/main" val="10000"/>
                   </a:ext>
                 </a:extLst>
               </a:tr>
@@ -16968,7 +16968,7 @@
           <p:nvPr>
             <p:extLst>
               <p:ext uri="{D42A27DB-BD31-4B8C-83A1-F6EECF244321}">
-                <p14:modId xmlns:p14="http://schemas.microsoft.com/office/powerpoint/2010/main" xmlns="" val="738574299"/>
+                <p14:modId xmlns="" xmlns:p14="http://schemas.microsoft.com/office/powerpoint/2010/main" val="738574299"/>
               </p:ext>
             </p:extLst>
           </p:nvPr>
@@ -17574,7 +17574,7 @@
     </p:spTree>
     <p:extLst>
       <p:ext uri="{BB962C8B-B14F-4D97-AF65-F5344CB8AC3E}">
-        <p14:creationId xmlns:p14="http://schemas.microsoft.com/office/powerpoint/2010/main" xmlns="" val="1797118782"/>
+        <p14:creationId xmlns="" xmlns:p14="http://schemas.microsoft.com/office/powerpoint/2010/main" val="1797118782"/>
       </p:ext>
     </p:extLst>
   </p:cSld>
@@ -17618,7 +17618,7 @@
           <p:nvPr>
             <p:extLst>
               <p:ext uri="{D42A27DB-BD31-4B8C-83A1-F6EECF244321}">
-                <p14:modId xmlns:p14="http://schemas.microsoft.com/office/powerpoint/2010/main" xmlns="" val="3107416924"/>
+                <p14:modId xmlns="" xmlns:p14="http://schemas.microsoft.com/office/powerpoint/2010/main" val="3107416924"/>
               </p:ext>
             </p:extLst>
           </p:nvPr>
@@ -17637,7 +17637,7 @@
                 <a:gridCol w="6587921">
                   <a:extLst>
                     <a:ext uri="{9D8B030D-6E8A-4147-A177-3AD203B41FA5}">
-                      <a16:colId xmlns:a16="http://schemas.microsoft.com/office/drawing/2014/main" xmlns="" val="20000"/>
+                      <a16:colId xmlns="" xmlns:a16="http://schemas.microsoft.com/office/drawing/2014/main" val="20000"/>
                     </a:ext>
                   </a:extLst>
                 </a:gridCol>
@@ -17794,7 +17794,7 @@
                 </a:tc>
                 <a:extLst>
                   <a:ext uri="{0D108BD9-81ED-4DB2-BD59-A6C34878D82A}">
-                    <a16:rowId xmlns:a16="http://schemas.microsoft.com/office/drawing/2014/main" xmlns="" val="10000"/>
+                    <a16:rowId xmlns="" xmlns:a16="http://schemas.microsoft.com/office/drawing/2014/main" val="10000"/>
                   </a:ext>
                 </a:extLst>
               </a:tr>
@@ -17935,7 +17935,7 @@
           <p:nvPr>
             <p:extLst>
               <p:ext uri="{D42A27DB-BD31-4B8C-83A1-F6EECF244321}">
-                <p14:modId xmlns:p14="http://schemas.microsoft.com/office/powerpoint/2010/main" xmlns="" val="3491080137"/>
+                <p14:modId xmlns="" xmlns:p14="http://schemas.microsoft.com/office/powerpoint/2010/main" val="3491080137"/>
               </p:ext>
             </p:extLst>
           </p:nvPr>
@@ -17954,42 +17954,42 @@
                 <a:gridCol w="1380432">
                   <a:extLst>
                     <a:ext uri="{9D8B030D-6E8A-4147-A177-3AD203B41FA5}">
-                      <a16:colId xmlns:a16="http://schemas.microsoft.com/office/drawing/2014/main" xmlns="" val="20000"/>
+                      <a16:colId xmlns="" xmlns:a16="http://schemas.microsoft.com/office/drawing/2014/main" val="20000"/>
                     </a:ext>
                   </a:extLst>
                 </a:gridCol>
                 <a:gridCol w="2195892">
                   <a:extLst>
                     <a:ext uri="{9D8B030D-6E8A-4147-A177-3AD203B41FA5}">
-                      <a16:colId xmlns:a16="http://schemas.microsoft.com/office/drawing/2014/main" xmlns="" val="20001"/>
+                      <a16:colId xmlns="" xmlns:a16="http://schemas.microsoft.com/office/drawing/2014/main" val="20001"/>
                     </a:ext>
                   </a:extLst>
                 </a:gridCol>
                 <a:gridCol w="1086007">
                   <a:extLst>
                     <a:ext uri="{9D8B030D-6E8A-4147-A177-3AD203B41FA5}">
-                      <a16:colId xmlns:a16="http://schemas.microsoft.com/office/drawing/2014/main" xmlns="" val="20002"/>
+                      <a16:colId xmlns="" xmlns:a16="http://schemas.microsoft.com/office/drawing/2014/main" val="20002"/>
                     </a:ext>
                   </a:extLst>
                 </a:gridCol>
                 <a:gridCol w="1927970">
                   <a:extLst>
                     <a:ext uri="{9D8B030D-6E8A-4147-A177-3AD203B41FA5}">
-                      <a16:colId xmlns:a16="http://schemas.microsoft.com/office/drawing/2014/main" xmlns="" val="20003"/>
+                      <a16:colId xmlns="" xmlns:a16="http://schemas.microsoft.com/office/drawing/2014/main" val="20003"/>
                     </a:ext>
                   </a:extLst>
                 </a:gridCol>
                 <a:gridCol w="1233488">
                   <a:extLst>
                     <a:ext uri="{9D8B030D-6E8A-4147-A177-3AD203B41FA5}">
-                      <a16:colId xmlns:a16="http://schemas.microsoft.com/office/drawing/2014/main" xmlns="" val="20004"/>
+                      <a16:colId xmlns="" xmlns:a16="http://schemas.microsoft.com/office/drawing/2014/main" val="20004"/>
                     </a:ext>
                   </a:extLst>
                 </a:gridCol>
                 <a:gridCol w="971549">
                   <a:extLst>
                     <a:ext uri="{9D8B030D-6E8A-4147-A177-3AD203B41FA5}">
-                      <a16:colId xmlns:a16="http://schemas.microsoft.com/office/drawing/2014/main" xmlns="" val="20006"/>
+                      <a16:colId xmlns="" xmlns:a16="http://schemas.microsoft.com/office/drawing/2014/main" val="20006"/>
                     </a:ext>
                   </a:extLst>
                 </a:gridCol>
@@ -18448,7 +18448,7 @@
                 </a:tc>
                 <a:extLst>
                   <a:ext uri="{0D108BD9-81ED-4DB2-BD59-A6C34878D82A}">
-                    <a16:rowId xmlns:a16="http://schemas.microsoft.com/office/drawing/2014/main" xmlns="" val="10000"/>
+                    <a16:rowId xmlns="" xmlns:a16="http://schemas.microsoft.com/office/drawing/2014/main" val="10000"/>
                   </a:ext>
                 </a:extLst>
               </a:tr>
@@ -18465,7 +18465,7 @@
           <p:nvPr>
             <p:extLst>
               <p:ext uri="{D42A27DB-BD31-4B8C-83A1-F6EECF244321}">
-                <p14:modId xmlns:p14="http://schemas.microsoft.com/office/powerpoint/2010/main" xmlns="" val="738574299"/>
+                <p14:modId xmlns="" xmlns:p14="http://schemas.microsoft.com/office/powerpoint/2010/main" val="738574299"/>
               </p:ext>
             </p:extLst>
           </p:nvPr>
@@ -19028,7 +19028,7 @@
           <p:nvPr>
             <p:extLst>
               <p:ext uri="{D42A27DB-BD31-4B8C-83A1-F6EECF244321}">
-                <p14:modId xmlns:p14="http://schemas.microsoft.com/office/powerpoint/2010/main" xmlns="" val="3107416924"/>
+                <p14:modId xmlns="" xmlns:p14="http://schemas.microsoft.com/office/powerpoint/2010/main" val="3107416924"/>
               </p:ext>
             </p:extLst>
           </p:nvPr>
@@ -19047,7 +19047,7 @@
                 <a:gridCol w="6587921">
                   <a:extLst>
                     <a:ext uri="{9D8B030D-6E8A-4147-A177-3AD203B41FA5}">
-                      <a16:colId xmlns:a16="http://schemas.microsoft.com/office/drawing/2014/main" xmlns="" val="20000"/>
+                      <a16:colId xmlns="" xmlns:a16="http://schemas.microsoft.com/office/drawing/2014/main" val="20000"/>
                     </a:ext>
                   </a:extLst>
                 </a:gridCol>
@@ -19204,7 +19204,7 @@
                 </a:tc>
                 <a:extLst>
                   <a:ext uri="{0D108BD9-81ED-4DB2-BD59-A6C34878D82A}">
-                    <a16:rowId xmlns:a16="http://schemas.microsoft.com/office/drawing/2014/main" xmlns="" val="10000"/>
+                    <a16:rowId xmlns="" xmlns:a16="http://schemas.microsoft.com/office/drawing/2014/main" val="10000"/>
                   </a:ext>
                 </a:extLst>
               </a:tr>
@@ -19345,7 +19345,7 @@
           <p:nvPr>
             <p:extLst>
               <p:ext uri="{D42A27DB-BD31-4B8C-83A1-F6EECF244321}">
-                <p14:modId xmlns:p14="http://schemas.microsoft.com/office/powerpoint/2010/main" xmlns="" val="3491080137"/>
+                <p14:modId xmlns="" xmlns:p14="http://schemas.microsoft.com/office/powerpoint/2010/main" val="3491080137"/>
               </p:ext>
             </p:extLst>
           </p:nvPr>
@@ -19364,42 +19364,42 @@
                 <a:gridCol w="1380432">
                   <a:extLst>
                     <a:ext uri="{9D8B030D-6E8A-4147-A177-3AD203B41FA5}">
-                      <a16:colId xmlns:a16="http://schemas.microsoft.com/office/drawing/2014/main" xmlns="" val="20000"/>
+                      <a16:colId xmlns="" xmlns:a16="http://schemas.microsoft.com/office/drawing/2014/main" val="20000"/>
                     </a:ext>
                   </a:extLst>
                 </a:gridCol>
                 <a:gridCol w="2195892">
                   <a:extLst>
                     <a:ext uri="{9D8B030D-6E8A-4147-A177-3AD203B41FA5}">
-                      <a16:colId xmlns:a16="http://schemas.microsoft.com/office/drawing/2014/main" xmlns="" val="20001"/>
+                      <a16:colId xmlns="" xmlns:a16="http://schemas.microsoft.com/office/drawing/2014/main" val="20001"/>
                     </a:ext>
                   </a:extLst>
                 </a:gridCol>
                 <a:gridCol w="1086007">
                   <a:extLst>
                     <a:ext uri="{9D8B030D-6E8A-4147-A177-3AD203B41FA5}">
-                      <a16:colId xmlns:a16="http://schemas.microsoft.com/office/drawing/2014/main" xmlns="" val="20002"/>
+                      <a16:colId xmlns="" xmlns:a16="http://schemas.microsoft.com/office/drawing/2014/main" val="20002"/>
                     </a:ext>
                   </a:extLst>
                 </a:gridCol>
                 <a:gridCol w="1927970">
                   <a:extLst>
                     <a:ext uri="{9D8B030D-6E8A-4147-A177-3AD203B41FA5}">
-                      <a16:colId xmlns:a16="http://schemas.microsoft.com/office/drawing/2014/main" xmlns="" val="20003"/>
+                      <a16:colId xmlns="" xmlns:a16="http://schemas.microsoft.com/office/drawing/2014/main" val="20003"/>
                     </a:ext>
                   </a:extLst>
                 </a:gridCol>
                 <a:gridCol w="1233488">
                   <a:extLst>
                     <a:ext uri="{9D8B030D-6E8A-4147-A177-3AD203B41FA5}">
-                      <a16:colId xmlns:a16="http://schemas.microsoft.com/office/drawing/2014/main" xmlns="" val="20004"/>
+                      <a16:colId xmlns="" xmlns:a16="http://schemas.microsoft.com/office/drawing/2014/main" val="20004"/>
                     </a:ext>
                   </a:extLst>
                 </a:gridCol>
                 <a:gridCol w="971549">
                   <a:extLst>
                     <a:ext uri="{9D8B030D-6E8A-4147-A177-3AD203B41FA5}">
-                      <a16:colId xmlns:a16="http://schemas.microsoft.com/office/drawing/2014/main" xmlns="" val="20006"/>
+                      <a16:colId xmlns="" xmlns:a16="http://schemas.microsoft.com/office/drawing/2014/main" val="20006"/>
                     </a:ext>
                   </a:extLst>
                 </a:gridCol>
@@ -19865,7 +19865,7 @@
                 </a:tc>
                 <a:extLst>
                   <a:ext uri="{0D108BD9-81ED-4DB2-BD59-A6C34878D82A}">
-                    <a16:rowId xmlns:a16="http://schemas.microsoft.com/office/drawing/2014/main" xmlns="" val="10000"/>
+                    <a16:rowId xmlns="" xmlns:a16="http://schemas.microsoft.com/office/drawing/2014/main" val="10000"/>
                   </a:ext>
                 </a:extLst>
               </a:tr>
@@ -19882,7 +19882,7 @@
           <p:nvPr>
             <p:extLst>
               <p:ext uri="{D42A27DB-BD31-4B8C-83A1-F6EECF244321}">
-                <p14:modId xmlns:p14="http://schemas.microsoft.com/office/powerpoint/2010/main" xmlns="" val="738574299"/>
+                <p14:modId xmlns="" xmlns:p14="http://schemas.microsoft.com/office/powerpoint/2010/main" val="738574299"/>
               </p:ext>
             </p:extLst>
           </p:nvPr>
@@ -19963,7 +19963,7 @@
                             <a:schemeClr val="tx1"/>
                           </a:solidFill>
                         </a:rPr>
-                        <a:t>/MyTeamDetail</a:t>
+                        <a:t>/MyTeamMatch</a:t>
                       </a:r>
                       <a:endParaRPr lang="ko-KR" altLang="en-US" sz="1000" dirty="0"/>
                     </a:p>
@@ -20221,6 +20221,7 @@
           <a:bodyPr rtlCol="0" anchor="ctr"/>
           <a:lstStyle/>
           <a:p>
+            <a:pPr marL="228600" indent="-228600"/>
             <a:r>
               <a:rPr lang="en-US" altLang="ko-KR" sz="900" smtClean="0">
                 <a:solidFill>
@@ -20245,6 +20246,11 @@
               </a:rPr>
               <a:t>:</a:t>
             </a:r>
+            <a:endParaRPr lang="en-US" altLang="ko-KR" sz="900" smtClean="0">
+              <a:solidFill>
+                <a:schemeClr val="tx1"/>
+              </a:solidFill>
+            </a:endParaRPr>
           </a:p>
           <a:p>
             <a:r>
@@ -20427,6 +20433,7 @@
           <a:bodyPr rtlCol="0" anchor="ctr"/>
           <a:lstStyle/>
           <a:p>
+            <a:pPr marL="228600" indent="-228600"/>
             <a:r>
               <a:rPr lang="en-US" altLang="ko-KR" sz="900" smtClean="0">
                 <a:solidFill>
@@ -20441,6 +20448,41 @@
                   <a:schemeClr val="tx1"/>
                 </a:solidFill>
               </a:rPr>
+              <a:t>요청</a:t>
+            </a:r>
+            <a:r>
+              <a:rPr lang="en-US" altLang="ko-KR" sz="900" smtClean="0">
+                <a:solidFill>
+                  <a:schemeClr val="tx1"/>
+                </a:solidFill>
+              </a:rPr>
+              <a:t>: /MyTeamMatch</a:t>
+            </a:r>
+          </a:p>
+          <a:p>
+            <a:pPr marL="228600" indent="-228600"/>
+            <a:r>
+              <a:rPr lang="en-US" altLang="ko-KR" sz="900" smtClean="0">
+                <a:solidFill>
+                  <a:schemeClr val="tx1"/>
+                </a:solidFill>
+              </a:rPr>
+              <a:t>2</a:t>
+            </a:r>
+            <a:r>
+              <a:rPr lang="en-US" altLang="ko-KR" sz="900" smtClean="0">
+                <a:solidFill>
+                  <a:schemeClr val="tx1"/>
+                </a:solidFill>
+              </a:rPr>
+              <a:t>. </a:t>
+            </a:r>
+            <a:r>
+              <a:rPr lang="ko-KR" altLang="en-US" sz="900" smtClean="0">
+                <a:solidFill>
+                  <a:schemeClr val="tx1"/>
+                </a:solidFill>
+              </a:rPr>
               <a:t>파라미터 </a:t>
             </a:r>
             <a:r>
@@ -20510,8 +20552,21 @@
                   <a:schemeClr val="tx1"/>
                 </a:solidFill>
               </a:rPr>
-              <a:t>=MatchScore</a:t>
-            </a:r>
+              <a:t>=</a:t>
+            </a:r>
+            <a:r>
+              <a:rPr lang="en-US" altLang="ko-KR" sz="900" smtClean="0">
+                <a:solidFill>
+                  <a:schemeClr val="tx1"/>
+                </a:solidFill>
+              </a:rPr>
+              <a:t>MatchScore</a:t>
+            </a:r>
+            <a:endParaRPr lang="en-US" altLang="ko-KR" sz="900" smtClean="0">
+              <a:solidFill>
+                <a:schemeClr val="tx1"/>
+              </a:solidFill>
+            </a:endParaRPr>
           </a:p>
         </p:txBody>
       </p:sp>
